--- a/pptx_source/02-How-to-nanoHUB.pptx
+++ b/pptx_source/02-How-to-nanoHUB.pptx
@@ -304,7 +304,7 @@
               <a:pPr>
                 <a:defRPr/>
               </a:pPr>
-              <a:t>11/11/2019</a:t>
+              <a:t>11/13/2019</a:t>
             </a:fld>
             <a:endParaRPr lang="en-US" dirty="0"/>
           </a:p>
@@ -3404,7 +3404,7 @@
               </a14:hiddenLine>
             </a:ext>
             <a:ext uri="{FAA26D3D-D897-4be2-8F04-BA451C77F1D7}">
-              <ma14:placeholderFlag xmlns:ma14="http://schemas.microsoft.com/office/mac/drawingml/2011/main" xmlns="" val="1"/>
+              <ma14:placeholderFlag xmlns="" xmlns:ma14="http://schemas.microsoft.com/office/mac/drawingml/2011/main" val="1"/>
             </a:ext>
           </a:extLst>
         </p:spPr>
@@ -4137,11 +4137,15 @@
             </a:r>
             <a:r>
               <a:rPr lang="en-US" sz="1800" dirty="0"/>
-              <a:t>: November </a:t>
-            </a:r>
-            <a:r>
-              <a:rPr lang="en-US" sz="1800" dirty="0" smtClean="0"/>
-              <a:t>11, </a:t>
+              <a:t>: </a:t>
+            </a:r>
+            <a:r>
+              <a:rPr lang="en-US" sz="1800"/>
+              <a:t>November </a:t>
+            </a:r>
+            <a:r>
+              <a:rPr lang="en-US" sz="1800" smtClean="0"/>
+              <a:t>13, </a:t>
             </a:r>
             <a:r>
               <a:rPr lang="en-US" sz="1800" dirty="0"/>
@@ -4171,7 +4175,7 @@
                 <a14:useLocalDpi xmlns:a14="http://schemas.microsoft.com/office/drawing/2010/main" val="0"/>
               </a:ext>
               <a:ext uri="{96DAC541-7B7A-43D3-8B79-37D633B846F1}">
-                <asvg:svgBlip xmlns:asvg="http://schemas.microsoft.com/office/drawing/2016/SVG/main" xmlns="" r:embed="rId3"/>
+                <asvg:svgBlip xmlns="" xmlns:asvg="http://schemas.microsoft.com/office/drawing/2016/SVG/main" r:embed="rId3"/>
               </a:ext>
             </a:extLst>
           </a:blip>
@@ -4251,6 +4255,30 @@
           <a:xfrm>
             <a:off x="137160" y="3429000"/>
             <a:ext cx="914400" cy="914400"/>
+          </a:xfrm>
+          <a:prstGeom prst="rect">
+            <a:avLst/>
+          </a:prstGeom>
+        </p:spPr>
+      </p:pic>
+      <p:pic>
+        <p:nvPicPr>
+          <p:cNvPr id="8" name="Picture 7"/>
+          <p:cNvPicPr>
+            <a:picLocks noChangeAspect="1"/>
+          </p:cNvPicPr>
+          <p:nvPr/>
+        </p:nvPicPr>
+        <p:blipFill>
+          <a:blip r:embed="rId6"/>
+          <a:stretch>
+            <a:fillRect/>
+          </a:stretch>
+        </p:blipFill>
+        <p:spPr>
+          <a:xfrm>
+            <a:off x="7589520" y="2880360"/>
+            <a:ext cx="1371600" cy="1371600"/>
           </a:xfrm>
           <a:prstGeom prst="rect">
             <a:avLst/>
@@ -4466,7 +4494,7 @@
         <p:spPr/>
         <p:txBody>
           <a:bodyPr>
-            <a:normAutofit fontScale="92500" lnSpcReduction="10000"/>
+            <a:normAutofit lnSpcReduction="10000"/>
           </a:bodyPr>
           <a:lstStyle/>
           <a:p>
@@ -4483,37 +4511,57 @@
             </a:r>
             <a:r>
               <a:rPr lang="en-US" dirty="0"/>
-              <a:t> </a:t>
-            </a:r>
-            <a:r>
-              <a:rPr lang="en-US"/>
-              <a:t>	</a:t>
-            </a:r>
-            <a:r>
-              <a:rPr lang="en-US" smtClean="0"/>
+              <a:t> 	</a:t>
+            </a:r>
+            <a:r>
+              <a:rPr lang="en-US" dirty="0" smtClean="0"/>
               <a:t>	Please </a:t>
             </a:r>
             <a:r>
               <a:rPr lang="en-US" dirty="0"/>
-              <a:t>proceed to 02 	</a:t>
+              <a:t>proceed to </a:t>
+            </a:r>
+            <a:r>
+              <a:rPr lang="en-US" dirty="0" smtClean="0"/>
+              <a:t>04 (Introduction to </a:t>
+            </a:r>
+            <a:r>
+              <a:rPr lang="en-US" dirty="0" err="1" smtClean="0"/>
+              <a:t>PhysiCell</a:t>
+            </a:r>
+            <a:r>
+              <a:rPr lang="en-US" dirty="0" smtClean="0"/>
+              <a:t>)</a:t>
             </a:r>
             <a:br>
-              <a:rPr lang="en-US" dirty="0"/>
+              <a:rPr lang="en-US" dirty="0" smtClean="0"/>
             </a:br>
             <a:r>
-              <a:rPr lang="en-US" dirty="0"/>
-              <a:t>			(How to use a PhysiCell App on </a:t>
-            </a:r>
-            <a:r>
-              <a:rPr lang="en-US" dirty="0" err="1"/>
-              <a:t>nanoHUB</a:t>
-            </a:r>
-            <a:r>
-              <a:rPr lang="en-US" dirty="0"/>
-              <a:t>)</a:t>
-            </a:r>
-          </a:p>
-          <a:p>
+              <a:rPr lang="en-US" b="1" dirty="0"/>
+              <a:t>link:</a:t>
+            </a:r>
+            <a:r>
+              <a:rPr lang="en-US" dirty="0"/>
+              <a:t> 		</a:t>
+            </a:r>
+            <a:r>
+              <a:rPr lang="en-US" dirty="0">
+                <a:hlinkClick r:id="rId2"/>
+              </a:rPr>
+              <a:t>https://</a:t>
+            </a:r>
+            <a:r>
+              <a:rPr lang="en-US" dirty="0" smtClean="0">
+                <a:hlinkClick r:id="rId2"/>
+              </a:rPr>
+              <a:t>github.com/physicell-training/04-PhysiCell-intro</a:t>
+            </a:r>
+            <a:endParaRPr lang="en-US" dirty="0" smtClean="0"/>
+          </a:p>
+          <a:p>
+            <a:pPr marL="0" indent="0">
+              <a:buNone/>
+            </a:pPr>
             <a:endParaRPr lang="en-US" dirty="0"/>
           </a:p>
           <a:p>
@@ -4542,25 +4590,49 @@
             </a:r>
             <a:r>
               <a:rPr lang="en-US" dirty="0"/>
-              <a:t>	Please proceed to 02</a:t>
+              <a:t>	Please proceed to </a:t>
+            </a:r>
+            <a:r>
+              <a:rPr lang="en-US" dirty="0" smtClean="0"/>
+              <a:t>04 (Introduction to </a:t>
+            </a:r>
+            <a:r>
+              <a:rPr lang="en-US" dirty="0" err="1" smtClean="0"/>
+              <a:t>PhysiCell</a:t>
+            </a:r>
+            <a:r>
+              <a:rPr lang="en-US" dirty="0" smtClean="0"/>
+              <a:t>)</a:t>
             </a:r>
             <a:br>
-              <a:rPr lang="en-US" dirty="0"/>
+              <a:rPr lang="en-US" dirty="0" smtClean="0"/>
             </a:br>
             <a:r>
-              <a:rPr lang="en-US" dirty="0"/>
-              <a:t>			(How to use a PhysiCell App on </a:t>
-            </a:r>
-            <a:r>
-              <a:rPr lang="en-US" dirty="0" err="1"/>
-              <a:t>nanoHUB</a:t>
-            </a:r>
-            <a:r>
-              <a:rPr lang="en-US" dirty="0"/>
-              <a:t>)</a:t>
-            </a:r>
-          </a:p>
-          <a:p>
+              <a:rPr lang="en-US" b="1" dirty="0"/>
+              <a:t>link:</a:t>
+            </a:r>
+            <a:r>
+              <a:rPr lang="en-US" dirty="0"/>
+              <a:t> 		</a:t>
+            </a:r>
+            <a:r>
+              <a:rPr lang="en-US" dirty="0">
+                <a:hlinkClick r:id="rId2"/>
+              </a:rPr>
+              <a:t>https://</a:t>
+            </a:r>
+            <a:r>
+              <a:rPr lang="en-US" dirty="0" smtClean="0">
+                <a:hlinkClick r:id="rId2"/>
+              </a:rPr>
+              <a:t>github.com/physicell-training/04-PhysiCell-intro</a:t>
+            </a:r>
+            <a:endParaRPr lang="en-US" dirty="0" smtClean="0"/>
+          </a:p>
+          <a:p>
+            <a:pPr marL="0" indent="0">
+              <a:buNone/>
+            </a:pPr>
             <a:endParaRPr lang="en-US" dirty="0"/>
           </a:p>
           <a:p>
@@ -4577,23 +4649,36 @@
             </a:r>
             <a:r>
               <a:rPr lang="en-US" dirty="0"/>
-              <a:t> 	Please proceed to 02</a:t>
+              <a:t> 	Please proceed to </a:t>
+            </a:r>
+            <a:r>
+              <a:rPr lang="en-US" dirty="0" smtClean="0"/>
+              <a:t>03 (What is an agent-based model?)</a:t>
             </a:r>
             <a:br>
-              <a:rPr lang="en-US" dirty="0"/>
+              <a:rPr lang="en-US" dirty="0" smtClean="0"/>
             </a:br>
             <a:r>
-              <a:rPr lang="en-US" dirty="0"/>
-              <a:t>			(How to use a PhysiCell App on </a:t>
-            </a:r>
-            <a:r>
-              <a:rPr lang="en-US" dirty="0" err="1"/>
-              <a:t>nanoHUB</a:t>
-            </a:r>
-            <a:r>
-              <a:rPr lang="en-US" dirty="0"/>
-              <a:t>)</a:t>
-            </a:r>
+              <a:rPr lang="en-US" b="1" dirty="0"/>
+              <a:t>link:</a:t>
+            </a:r>
+            <a:r>
+              <a:rPr lang="en-US" dirty="0"/>
+              <a:t> 		</a:t>
+            </a:r>
+            <a:r>
+              <a:rPr lang="en-US" dirty="0">
+                <a:hlinkClick r:id="rId3"/>
+              </a:rPr>
+              <a:t>https://</a:t>
+            </a:r>
+            <a:r>
+              <a:rPr lang="en-US" dirty="0" smtClean="0">
+                <a:hlinkClick r:id="rId3"/>
+              </a:rPr>
+              <a:t>github.com/physicell-training/03-What-is-ABM</a:t>
+            </a:r>
+            <a:endParaRPr lang="en-US" b="1" dirty="0" smtClean="0"/>
           </a:p>
           <a:p>
             <a:pPr marL="0" indent="0">
@@ -4606,59 +4691,12 @@
               <a:buNone/>
             </a:pPr>
             <a:r>
-              <a:rPr lang="en-US" b="1" dirty="0"/>
-              <a:t>link:</a:t>
-            </a:r>
-            <a:r>
-              <a:rPr lang="en-US" dirty="0"/>
-              <a:t> 	</a:t>
-            </a:r>
-            <a:r>
-              <a:rPr lang="en-US" dirty="0" smtClean="0"/>
-              <a:t>	</a:t>
-            </a:r>
-            <a:r>
-              <a:rPr lang="en-US" dirty="0" smtClean="0">
-                <a:hlinkClick r:id="rId2"/>
-              </a:rPr>
-              <a:t>https</a:t>
-            </a:r>
-            <a:r>
-              <a:rPr lang="en-US" dirty="0">
-                <a:hlinkClick r:id="rId2"/>
-              </a:rPr>
-              <a:t>://www.github.com/</a:t>
-            </a:r>
-            <a:r>
-              <a:rPr lang="en-US" dirty="0" err="1">
-                <a:hlinkClick r:id="rId2"/>
-              </a:rPr>
-              <a:t>PhysiCell</a:t>
-            </a:r>
-            <a:r>
-              <a:rPr lang="en-US" dirty="0">
-                <a:hlinkClick r:id="rId2"/>
-              </a:rPr>
-              <a:t>-Training</a:t>
-            </a:r>
-            <a:r>
-              <a:rPr lang="en-US" dirty="0" smtClean="0">
-                <a:hlinkClick r:id="rId2"/>
-              </a:rPr>
-              <a:t>/</a:t>
-            </a:r>
-            <a:r>
-              <a:rPr lang="en-US" dirty="0" smtClean="0"/>
-              <a:t>....</a:t>
-            </a:r>
-          </a:p>
-          <a:p>
-            <a:pPr marL="0" indent="0">
-              <a:buNone/>
-            </a:pPr>
-            <a:r>
               <a:rPr lang="en-US" b="1" dirty="0" smtClean="0"/>
-              <a:t>More materials:</a:t>
+              <a:t>More </a:t>
+            </a:r>
+            <a:r>
+              <a:rPr lang="en-US" b="1" dirty="0" smtClean="0"/>
+              <a:t>materials:</a:t>
             </a:r>
             <a:r>
               <a:rPr lang="en-US" dirty="0" smtClean="0"/>
@@ -4666,13 +4704,13 @@
             </a:r>
             <a:r>
               <a:rPr lang="en-US" dirty="0">
-                <a:hlinkClick r:id="rId3"/>
+                <a:hlinkClick r:id="rId4"/>
               </a:rPr>
               <a:t>https://</a:t>
             </a:r>
             <a:r>
               <a:rPr lang="en-US" dirty="0" smtClean="0">
-                <a:hlinkClick r:id="rId3"/>
+                <a:hlinkClick r:id="rId4"/>
               </a:rPr>
               <a:t>github.com/physicell-training/master-list</a:t>
             </a:r>

--- a/pptx_source/02-How-to-nanoHUB.pptx
+++ b/pptx_source/02-How-to-nanoHUB.pptx
@@ -3404,7 +3404,7 @@
               </a14:hiddenLine>
             </a:ext>
             <a:ext uri="{FAA26D3D-D897-4be2-8F04-BA451C77F1D7}">
-              <ma14:placeholderFlag xmlns="" xmlns:ma14="http://schemas.microsoft.com/office/mac/drawingml/2011/main" val="1"/>
+              <ma14:placeholderFlag xmlns:ma14="http://schemas.microsoft.com/office/mac/drawingml/2011/main" xmlns="" val="1"/>
             </a:ext>
           </a:extLst>
         </p:spPr>
@@ -4014,12 +4014,12 @@
           <a:lstStyle/>
           <a:p>
             <a:r>
-              <a:rPr lang="en-US" dirty="0">
+              <a:rPr lang="en-US" smtClean="0">
                 <a:solidFill>
                   <a:schemeClr val="tx1"/>
                 </a:solidFill>
               </a:rPr>
-              <a:t>Module </a:t>
+              <a:t>Lesson </a:t>
             </a:r>
             <a:r>
               <a:rPr lang="en-US" dirty="0" smtClean="0">
@@ -4175,7 +4175,7 @@
                 <a14:useLocalDpi xmlns:a14="http://schemas.microsoft.com/office/drawing/2010/main" val="0"/>
               </a:ext>
               <a:ext uri="{96DAC541-7B7A-43D3-8B79-37D633B846F1}">
-                <asvg:svgBlip xmlns="" xmlns:asvg="http://schemas.microsoft.com/office/drawing/2016/SVG/main" r:embed="rId3"/>
+                <asvg:svgBlip xmlns:asvg="http://schemas.microsoft.com/office/drawing/2016/SVG/main" xmlns="" r:embed="rId3"/>
               </a:ext>
             </a:extLst>
           </a:blip>
@@ -4692,11 +4692,7 @@
             </a:pPr>
             <a:r>
               <a:rPr lang="en-US" b="1" dirty="0" smtClean="0"/>
-              <a:t>More </a:t>
-            </a:r>
-            <a:r>
-              <a:rPr lang="en-US" b="1" dirty="0" smtClean="0"/>
-              <a:t>materials:</a:t>
+              <a:t>More materials:</a:t>
             </a:r>
             <a:r>
               <a:rPr lang="en-US" dirty="0" smtClean="0"/>

--- a/pptx_source/02-How-to-nanoHUB.pptx
+++ b/pptx_source/02-How-to-nanoHUB.pptx
@@ -5,22 +5,23 @@
     <p:sldMasterId id="2147483660" r:id="rId1"/>
   </p:sldMasterIdLst>
   <p:notesMasterIdLst>
-    <p:notesMasterId r:id="rId15"/>
+    <p:notesMasterId r:id="rId16"/>
   </p:notesMasterIdLst>
   <p:sldIdLst>
     <p:sldId id="257" r:id="rId2"/>
     <p:sldId id="262" r:id="rId3"/>
-    <p:sldId id="268" r:id="rId4"/>
-    <p:sldId id="269" r:id="rId5"/>
-    <p:sldId id="270" r:id="rId6"/>
-    <p:sldId id="271" r:id="rId7"/>
-    <p:sldId id="272" r:id="rId8"/>
-    <p:sldId id="273" r:id="rId9"/>
-    <p:sldId id="274" r:id="rId10"/>
-    <p:sldId id="275" r:id="rId11"/>
-    <p:sldId id="277" r:id="rId12"/>
-    <p:sldId id="266" r:id="rId13"/>
-    <p:sldId id="267" r:id="rId14"/>
+    <p:sldId id="278" r:id="rId4"/>
+    <p:sldId id="268" r:id="rId5"/>
+    <p:sldId id="269" r:id="rId6"/>
+    <p:sldId id="270" r:id="rId7"/>
+    <p:sldId id="271" r:id="rId8"/>
+    <p:sldId id="272" r:id="rId9"/>
+    <p:sldId id="273" r:id="rId10"/>
+    <p:sldId id="274" r:id="rId11"/>
+    <p:sldId id="275" r:id="rId12"/>
+    <p:sldId id="277" r:id="rId13"/>
+    <p:sldId id="266" r:id="rId14"/>
+    <p:sldId id="267" r:id="rId15"/>
   </p:sldIdLst>
   <p:sldSz cx="9144000" cy="5143500" type="screen16x9"/>
   <p:notesSz cx="6858000" cy="9144000"/>
@@ -3404,7 +3405,7 @@
               </a14:hiddenLine>
             </a:ext>
             <a:ext uri="{FAA26D3D-D897-4be2-8F04-BA451C77F1D7}">
-              <ma14:placeholderFlag xmlns:ma14="http://schemas.microsoft.com/office/mac/drawingml/2011/main" xmlns="" val="1"/>
+              <ma14:placeholderFlag xmlns="" xmlns:ma14="http://schemas.microsoft.com/office/mac/drawingml/2011/main" val="1"/>
             </a:ext>
           </a:extLst>
         </p:spPr>
@@ -4014,42 +4015,25 @@
           <a:lstStyle/>
           <a:p>
             <a:r>
-              <a:rPr lang="en-US" smtClean="0">
+              <a:rPr lang="en-US" dirty="0">
                 <a:solidFill>
                   <a:schemeClr val="tx1"/>
                 </a:solidFill>
               </a:rPr>
-              <a:t>Lesson </a:t>
-            </a:r>
-            <a:r>
-              <a:rPr lang="en-US" dirty="0" smtClean="0">
-                <a:solidFill>
-                  <a:schemeClr val="tx1"/>
-                </a:solidFill>
-              </a:rPr>
-              <a:t>02:</a:t>
-            </a:r>
-            <a:r>
-              <a:rPr lang="en-US" dirty="0" smtClean="0"/>
-              <a:t> How to use a </a:t>
-            </a:r>
-            <a:r>
-              <a:rPr lang="en-US" dirty="0" err="1" smtClean="0"/>
-              <a:t>PhysiCell</a:t>
-            </a:r>
-            <a:r>
-              <a:rPr lang="en-US" dirty="0" smtClean="0"/>
-              <a:t> </a:t>
-            </a:r>
-            <a:r>
-              <a:rPr lang="en-US" dirty="0" err="1" smtClean="0"/>
+              <a:t>Lesson 2:</a:t>
+            </a:r>
+            <a:r>
+              <a:rPr lang="en-US" dirty="0"/>
+              <a:t> How to use a PhysiCell </a:t>
+            </a:r>
+            <a:r>
+              <a:rPr lang="en-US" dirty="0" err="1"/>
               <a:t>nanoHUB</a:t>
             </a:r>
             <a:r>
-              <a:rPr lang="en-US" dirty="0" smtClean="0"/>
+              <a:rPr lang="en-US" dirty="0"/>
               <a:t> app</a:t>
             </a:r>
-            <a:endParaRPr lang="en-US" dirty="0"/>
           </a:p>
         </p:txBody>
       </p:sp>
@@ -4141,11 +4125,7 @@
             </a:r>
             <a:r>
               <a:rPr lang="en-US" sz="1800"/>
-              <a:t>November </a:t>
-            </a:r>
-            <a:r>
-              <a:rPr lang="en-US" sz="1800" smtClean="0"/>
-              <a:t>13, </a:t>
+              <a:t>November 13, </a:t>
             </a:r>
             <a:r>
               <a:rPr lang="en-US" sz="1800" dirty="0"/>
@@ -4175,7 +4155,7 @@
                 <a14:useLocalDpi xmlns:a14="http://schemas.microsoft.com/office/drawing/2010/main" val="0"/>
               </a:ext>
               <a:ext uri="{96DAC541-7B7A-43D3-8B79-37D633B846F1}">
-                <asvg:svgBlip xmlns:asvg="http://schemas.microsoft.com/office/drawing/2016/SVG/main" xmlns="" r:embed="rId3"/>
+                <asvg:svgBlip xmlns:asvg="http://schemas.microsoft.com/office/drawing/2016/SVG/main" r:embed="rId3"/>
               </a:ext>
             </a:extLst>
           </a:blip>
@@ -4216,18 +4196,18 @@
           <a:lstStyle/>
           <a:p>
             <a:r>
-              <a:rPr lang="en-US" b="1" dirty="0" smtClean="0"/>
+              <a:rPr lang="en-US" b="1" dirty="0"/>
               <a:t>Slides, videos, links and more:</a:t>
             </a:r>
           </a:p>
           <a:p>
             <a:r>
-              <a:rPr lang="en-US" dirty="0" smtClean="0">
+              <a:rPr lang="en-US" dirty="0">
                 <a:hlinkClick r:id="rId4"/>
               </a:rPr>
               <a:t>https://github.com/physicell-training/02-How-to-nanoHUB</a:t>
             </a:r>
-            <a:endParaRPr lang="en-US" dirty="0" smtClean="0"/>
+            <a:endParaRPr lang="en-US" dirty="0"/>
           </a:p>
         </p:txBody>
       </p:sp>
@@ -4295,13 +4275,6 @@
   <p:clrMapOvr>
     <a:masterClrMapping/>
   </p:clrMapOvr>
-  <p:timing>
-    <p:tnLst>
-      <p:par>
-        <p:cTn id="1" dur="indefinite" restart="never" nodeType="tmRoot"/>
-      </p:par>
-    </p:tnLst>
-  </p:timing>
 </p:sld>
 </file>
 
@@ -4338,10 +4311,9 @@
           <a:lstStyle/>
           <a:p>
             <a:r>
-              <a:rPr lang="en-US" dirty="0" smtClean="0"/>
-              <a:t>Downloading simulation plots</a:t>
-            </a:r>
-            <a:endParaRPr lang="en-US" dirty="0"/>
+              <a:rPr lang="en-US" dirty="0"/>
+              <a:t>Out: Substrate Plots</a:t>
+            </a:r>
           </a:p>
         </p:txBody>
       </p:sp>
@@ -4360,14 +4332,14 @@
           <a:bodyPr/>
           <a:lstStyle/>
           <a:p>
-            <a:endParaRPr lang="en-US"/>
+            <a:endParaRPr lang="en-US" dirty="0"/>
           </a:p>
         </p:txBody>
       </p:sp>
     </p:spTree>
     <p:extLst>
       <p:ext uri="{BB962C8B-B14F-4D97-AF65-F5344CB8AC3E}">
-        <p14:creationId xmlns:p14="http://schemas.microsoft.com/office/powerpoint/2010/main" val="1014531361"/>
+        <p14:creationId xmlns:p14="http://schemas.microsoft.com/office/powerpoint/2010/main" val="3552811145"/>
       </p:ext>
     </p:extLst>
   </p:cSld>
@@ -4396,12 +4368,12 @@
       </p:grpSpPr>
       <p:sp>
         <p:nvSpPr>
-          <p:cNvPr id="4" name="Text Placeholder 3"/>
-          <p:cNvSpPr>
-            <a:spLocks noGrp="1"/>
-          </p:cNvSpPr>
-          <p:nvPr>
-            <p:ph type="body" sz="quarter" idx="10"/>
+          <p:cNvPr id="2" name="Title 1"/>
+          <p:cNvSpPr>
+            <a:spLocks noGrp="1"/>
+          </p:cNvSpPr>
+          <p:nvPr>
+            <p:ph type="title"/>
           </p:nvPr>
         </p:nvSpPr>
         <p:spPr/>
@@ -4410,17 +4382,35 @@
           <a:lstStyle/>
           <a:p>
             <a:r>
-              <a:rPr lang="en-US" dirty="0" smtClean="0"/>
-              <a:t>Live demo</a:t>
-            </a:r>
-            <a:endParaRPr lang="en-US" dirty="0"/>
+              <a:rPr lang="en-US" dirty="0"/>
+              <a:t>Downloading simulation plots</a:t>
+            </a:r>
+          </a:p>
+        </p:txBody>
+      </p:sp>
+      <p:sp>
+        <p:nvSpPr>
+          <p:cNvPr id="3" name="Content Placeholder 2"/>
+          <p:cNvSpPr>
+            <a:spLocks noGrp="1"/>
+          </p:cNvSpPr>
+          <p:nvPr>
+            <p:ph sz="half" idx="1"/>
+          </p:nvPr>
+        </p:nvSpPr>
+        <p:spPr/>
+        <p:txBody>
+          <a:bodyPr/>
+          <a:lstStyle/>
+          <a:p>
+            <a:endParaRPr lang="en-US"/>
           </a:p>
         </p:txBody>
       </p:sp>
     </p:spTree>
     <p:extLst>
       <p:ext uri="{BB962C8B-B14F-4D97-AF65-F5344CB8AC3E}">
-        <p14:creationId xmlns:p14="http://schemas.microsoft.com/office/powerpoint/2010/main" val="513049127"/>
+        <p14:creationId xmlns:p14="http://schemas.microsoft.com/office/powerpoint/2010/main" val="1014531361"/>
       </p:ext>
     </p:extLst>
   </p:cSld>
@@ -4449,18 +4439,12 @@
       </p:grpSpPr>
       <p:sp>
         <p:nvSpPr>
-          <p:cNvPr id="6" name="Title 5">
-            <a:extLst>
-              <a:ext uri="{FF2B5EF4-FFF2-40B4-BE49-F238E27FC236}">
-                <a16:creationId xmlns:a16="http://schemas.microsoft.com/office/drawing/2014/main" id="{C2B99157-DA0D-4841-A580-62EFB758DA8C}"/>
-              </a:ext>
-            </a:extLst>
-          </p:cNvPr>
-          <p:cNvSpPr>
-            <a:spLocks noGrp="1"/>
-          </p:cNvSpPr>
-          <p:nvPr>
-            <p:ph type="title"/>
+          <p:cNvPr id="4" name="Text Placeholder 3"/>
+          <p:cNvSpPr>
+            <a:spLocks noGrp="1"/>
+          </p:cNvSpPr>
+          <p:nvPr>
+            <p:ph type="body" sz="quarter" idx="10"/>
           </p:nvPr>
         </p:nvSpPr>
         <p:spPr/>
@@ -4470,258 +4454,15 @@
           <a:p>
             <a:r>
               <a:rPr lang="en-US" dirty="0"/>
-              <a:t>Next steps</a:t>
-            </a:r>
-          </a:p>
-        </p:txBody>
-      </p:sp>
-      <p:sp>
-        <p:nvSpPr>
-          <p:cNvPr id="7" name="Content Placeholder 6">
-            <a:extLst>
-              <a:ext uri="{FF2B5EF4-FFF2-40B4-BE49-F238E27FC236}">
-                <a16:creationId xmlns:a16="http://schemas.microsoft.com/office/drawing/2014/main" id="{B3307B35-8D84-4BA2-8128-A71EB12F30AE}"/>
-              </a:ext>
-            </a:extLst>
-          </p:cNvPr>
-          <p:cNvSpPr>
-            <a:spLocks noGrp="1"/>
-          </p:cNvSpPr>
-          <p:nvPr>
-            <p:ph idx="1"/>
-          </p:nvPr>
-        </p:nvSpPr>
-        <p:spPr/>
-        <p:txBody>
-          <a:bodyPr>
-            <a:normAutofit lnSpcReduction="10000"/>
-          </a:bodyPr>
-          <a:lstStyle/>
-          <a:p>
-            <a:pPr marL="0" indent="0">
-              <a:buNone/>
-            </a:pPr>
-            <a:r>
-              <a:rPr lang="en-US" b="1" dirty="0">
-                <a:solidFill>
-                  <a:srgbClr val="FF0000"/>
-                </a:solidFill>
-              </a:rPr>
-              <a:t>Super fast:</a:t>
-            </a:r>
-            <a:r>
-              <a:rPr lang="en-US" dirty="0"/>
-              <a:t> 	</a:t>
-            </a:r>
-            <a:r>
-              <a:rPr lang="en-US" dirty="0" smtClean="0"/>
-              <a:t>	Please </a:t>
-            </a:r>
-            <a:r>
-              <a:rPr lang="en-US" dirty="0"/>
-              <a:t>proceed to </a:t>
-            </a:r>
-            <a:r>
-              <a:rPr lang="en-US" dirty="0" smtClean="0"/>
-              <a:t>04 (Introduction to </a:t>
-            </a:r>
-            <a:r>
-              <a:rPr lang="en-US" dirty="0" err="1" smtClean="0"/>
-              <a:t>PhysiCell</a:t>
-            </a:r>
-            <a:r>
-              <a:rPr lang="en-US" dirty="0" smtClean="0"/>
-              <a:t>)</a:t>
-            </a:r>
-            <a:br>
-              <a:rPr lang="en-US" dirty="0" smtClean="0"/>
-            </a:br>
-            <a:r>
-              <a:rPr lang="en-US" b="1" dirty="0"/>
-              <a:t>link:</a:t>
-            </a:r>
-            <a:r>
-              <a:rPr lang="en-US" dirty="0"/>
-              <a:t> 		</a:t>
-            </a:r>
-            <a:r>
-              <a:rPr lang="en-US" dirty="0">
-                <a:hlinkClick r:id="rId2"/>
-              </a:rPr>
-              <a:t>https://</a:t>
-            </a:r>
-            <a:r>
-              <a:rPr lang="en-US" dirty="0" smtClean="0">
-                <a:hlinkClick r:id="rId2"/>
-              </a:rPr>
-              <a:t>github.com/physicell-training/04-PhysiCell-intro</a:t>
-            </a:r>
-            <a:endParaRPr lang="en-US" dirty="0" smtClean="0"/>
-          </a:p>
-          <a:p>
-            <a:pPr marL="0" indent="0">
-              <a:buNone/>
-            </a:pPr>
-            <a:endParaRPr lang="en-US" dirty="0"/>
-          </a:p>
-          <a:p>
-            <a:pPr marL="0" indent="0">
-              <a:buNone/>
-            </a:pPr>
-            <a:r>
-              <a:rPr lang="en-US" b="1" dirty="0">
-                <a:solidFill>
-                  <a:schemeClr val="accent2">
-                    <a:lumMod val="75000"/>
-                  </a:schemeClr>
-                </a:solidFill>
-              </a:rPr>
-              <a:t>Intermediate:</a:t>
-            </a:r>
-            <a:r>
-              <a:rPr lang="en-US" dirty="0">
-                <a:solidFill>
-                  <a:schemeClr val="accent2">
-                    <a:lumMod val="75000"/>
-                  </a:schemeClr>
-                </a:solidFill>
-              </a:rPr>
-              <a:t> </a:t>
-            </a:r>
-            <a:r>
-              <a:rPr lang="en-US" dirty="0"/>
-              <a:t>	Please proceed to </a:t>
-            </a:r>
-            <a:r>
-              <a:rPr lang="en-US" dirty="0" smtClean="0"/>
-              <a:t>04 (Introduction to </a:t>
-            </a:r>
-            <a:r>
-              <a:rPr lang="en-US" dirty="0" err="1" smtClean="0"/>
-              <a:t>PhysiCell</a:t>
-            </a:r>
-            <a:r>
-              <a:rPr lang="en-US" dirty="0" smtClean="0"/>
-              <a:t>)</a:t>
-            </a:r>
-            <a:br>
-              <a:rPr lang="en-US" dirty="0" smtClean="0"/>
-            </a:br>
-            <a:r>
-              <a:rPr lang="en-US" b="1" dirty="0"/>
-              <a:t>link:</a:t>
-            </a:r>
-            <a:r>
-              <a:rPr lang="en-US" dirty="0"/>
-              <a:t> 		</a:t>
-            </a:r>
-            <a:r>
-              <a:rPr lang="en-US" dirty="0">
-                <a:hlinkClick r:id="rId2"/>
-              </a:rPr>
-              <a:t>https://</a:t>
-            </a:r>
-            <a:r>
-              <a:rPr lang="en-US" dirty="0" smtClean="0">
-                <a:hlinkClick r:id="rId2"/>
-              </a:rPr>
-              <a:t>github.com/physicell-training/04-PhysiCell-intro</a:t>
-            </a:r>
-            <a:endParaRPr lang="en-US" dirty="0" smtClean="0"/>
-          </a:p>
-          <a:p>
-            <a:pPr marL="0" indent="0">
-              <a:buNone/>
-            </a:pPr>
-            <a:endParaRPr lang="en-US" dirty="0"/>
-          </a:p>
-          <a:p>
-            <a:pPr marL="0" indent="0">
-              <a:buNone/>
-            </a:pPr>
-            <a:r>
-              <a:rPr lang="en-US" b="1" dirty="0">
-                <a:solidFill>
-                  <a:srgbClr val="00B050"/>
-                </a:solidFill>
-              </a:rPr>
-              <a:t>Full training:</a:t>
-            </a:r>
-            <a:r>
-              <a:rPr lang="en-US" dirty="0"/>
-              <a:t> 	Please proceed to </a:t>
-            </a:r>
-            <a:r>
-              <a:rPr lang="en-US" dirty="0" smtClean="0"/>
-              <a:t>03 (What is an agent-based model?)</a:t>
-            </a:r>
-            <a:br>
-              <a:rPr lang="en-US" dirty="0" smtClean="0"/>
-            </a:br>
-            <a:r>
-              <a:rPr lang="en-US" b="1" dirty="0"/>
-              <a:t>link:</a:t>
-            </a:r>
-            <a:r>
-              <a:rPr lang="en-US" dirty="0"/>
-              <a:t> 		</a:t>
-            </a:r>
-            <a:r>
-              <a:rPr lang="en-US" dirty="0">
-                <a:hlinkClick r:id="rId3"/>
-              </a:rPr>
-              <a:t>https://</a:t>
-            </a:r>
-            <a:r>
-              <a:rPr lang="en-US" dirty="0" smtClean="0">
-                <a:hlinkClick r:id="rId3"/>
-              </a:rPr>
-              <a:t>github.com/physicell-training/03-What-is-ABM</a:t>
-            </a:r>
-            <a:endParaRPr lang="en-US" b="1" dirty="0" smtClean="0"/>
-          </a:p>
-          <a:p>
-            <a:pPr marL="0" indent="0">
-              <a:buNone/>
-            </a:pPr>
-            <a:endParaRPr lang="en-US" b="1" dirty="0"/>
-          </a:p>
-          <a:p>
-            <a:pPr marL="0" indent="0">
-              <a:buNone/>
-            </a:pPr>
-            <a:r>
-              <a:rPr lang="en-US" b="1" dirty="0" smtClean="0"/>
-              <a:t>More materials:</a:t>
-            </a:r>
-            <a:r>
-              <a:rPr lang="en-US" dirty="0" smtClean="0"/>
-              <a:t> 	</a:t>
-            </a:r>
-            <a:r>
-              <a:rPr lang="en-US" dirty="0">
-                <a:hlinkClick r:id="rId4"/>
-              </a:rPr>
-              <a:t>https://</a:t>
-            </a:r>
-            <a:r>
-              <a:rPr lang="en-US" dirty="0" smtClean="0">
-                <a:hlinkClick r:id="rId4"/>
-              </a:rPr>
-              <a:t>github.com/physicell-training/master-list</a:t>
-            </a:r>
-            <a:r>
-              <a:rPr lang="en-US" dirty="0" smtClean="0"/>
-              <a:t> </a:t>
-            </a:r>
-            <a:endParaRPr lang="en-US" dirty="0"/>
+              <a:t>Live demo</a:t>
+            </a:r>
           </a:p>
         </p:txBody>
       </p:sp>
     </p:spTree>
     <p:extLst>
       <p:ext uri="{BB962C8B-B14F-4D97-AF65-F5344CB8AC3E}">
-        <p14:creationId xmlns:p14="http://schemas.microsoft.com/office/powerpoint/2010/main" val="3379997800"/>
+        <p14:creationId xmlns:p14="http://schemas.microsoft.com/office/powerpoint/2010/main" val="513049127"/>
       </p:ext>
     </p:extLst>
   </p:cSld>
@@ -4750,6 +4491,269 @@
       </p:grpSpPr>
       <p:sp>
         <p:nvSpPr>
+          <p:cNvPr id="6" name="Title 5">
+            <a:extLst>
+              <a:ext uri="{FF2B5EF4-FFF2-40B4-BE49-F238E27FC236}">
+                <a16:creationId xmlns:a16="http://schemas.microsoft.com/office/drawing/2014/main" id="{C2B99157-DA0D-4841-A580-62EFB758DA8C}"/>
+              </a:ext>
+            </a:extLst>
+          </p:cNvPr>
+          <p:cNvSpPr>
+            <a:spLocks noGrp="1"/>
+          </p:cNvSpPr>
+          <p:nvPr>
+            <p:ph type="title"/>
+          </p:nvPr>
+        </p:nvSpPr>
+        <p:spPr/>
+        <p:txBody>
+          <a:bodyPr/>
+          <a:lstStyle/>
+          <a:p>
+            <a:r>
+              <a:rPr lang="en-US" dirty="0"/>
+              <a:t>Next steps</a:t>
+            </a:r>
+          </a:p>
+        </p:txBody>
+      </p:sp>
+      <p:sp>
+        <p:nvSpPr>
+          <p:cNvPr id="7" name="Content Placeholder 6">
+            <a:extLst>
+              <a:ext uri="{FF2B5EF4-FFF2-40B4-BE49-F238E27FC236}">
+                <a16:creationId xmlns:a16="http://schemas.microsoft.com/office/drawing/2014/main" id="{B3307B35-8D84-4BA2-8128-A71EB12F30AE}"/>
+              </a:ext>
+            </a:extLst>
+          </p:cNvPr>
+          <p:cNvSpPr>
+            <a:spLocks noGrp="1"/>
+          </p:cNvSpPr>
+          <p:nvPr>
+            <p:ph idx="1"/>
+          </p:nvPr>
+        </p:nvSpPr>
+        <p:spPr/>
+        <p:txBody>
+          <a:bodyPr>
+            <a:normAutofit lnSpcReduction="10000"/>
+          </a:bodyPr>
+          <a:lstStyle/>
+          <a:p>
+            <a:pPr marL="0" indent="0">
+              <a:buNone/>
+              <a:tabLst>
+                <a:tab pos="1828800" algn="l"/>
+              </a:tabLst>
+            </a:pPr>
+            <a:r>
+              <a:rPr lang="en-US" b="1" dirty="0">
+                <a:solidFill>
+                  <a:srgbClr val="FF0000"/>
+                </a:solidFill>
+              </a:rPr>
+              <a:t>Super fast:</a:t>
+            </a:r>
+            <a:r>
+              <a:rPr lang="en-US" dirty="0"/>
+              <a:t> 	Please proceed to 4 (Introduction to PhysiCell)</a:t>
+            </a:r>
+            <a:br>
+              <a:rPr lang="en-US" dirty="0"/>
+            </a:br>
+            <a:r>
+              <a:rPr lang="en-US" b="1" dirty="0"/>
+              <a:t>link:</a:t>
+            </a:r>
+            <a:r>
+              <a:rPr lang="en-US" dirty="0"/>
+              <a:t> 	</a:t>
+            </a:r>
+            <a:r>
+              <a:rPr lang="en-US" dirty="0">
+                <a:hlinkClick r:id="rId2"/>
+              </a:rPr>
+              <a:t>https://github.com/physicell-training/04-PhysiCell-intro</a:t>
+            </a:r>
+            <a:endParaRPr lang="en-US" dirty="0"/>
+          </a:p>
+          <a:p>
+            <a:pPr marL="0" indent="0">
+              <a:buNone/>
+              <a:tabLst>
+                <a:tab pos="1828800" algn="l"/>
+              </a:tabLst>
+            </a:pPr>
+            <a:endParaRPr lang="en-US" dirty="0"/>
+          </a:p>
+          <a:p>
+            <a:pPr marL="0" indent="0">
+              <a:buNone/>
+              <a:tabLst>
+                <a:tab pos="1828800" algn="l"/>
+              </a:tabLst>
+            </a:pPr>
+            <a:r>
+              <a:rPr lang="en-US" b="1" dirty="0">
+                <a:solidFill>
+                  <a:schemeClr val="accent2">
+                    <a:lumMod val="75000"/>
+                  </a:schemeClr>
+                </a:solidFill>
+              </a:rPr>
+              <a:t>Intermediate:</a:t>
+            </a:r>
+            <a:r>
+              <a:rPr lang="en-US" dirty="0">
+                <a:solidFill>
+                  <a:schemeClr val="accent2">
+                    <a:lumMod val="75000"/>
+                  </a:schemeClr>
+                </a:solidFill>
+              </a:rPr>
+              <a:t> </a:t>
+            </a:r>
+            <a:r>
+              <a:rPr lang="en-US" dirty="0"/>
+              <a:t>	Please proceed to 4 (Introduction to PhysiCell)</a:t>
+            </a:r>
+            <a:br>
+              <a:rPr lang="en-US" dirty="0"/>
+            </a:br>
+            <a:r>
+              <a:rPr lang="en-US" b="1" dirty="0"/>
+              <a:t>link:</a:t>
+            </a:r>
+            <a:r>
+              <a:rPr lang="en-US" dirty="0"/>
+              <a:t> 	</a:t>
+            </a:r>
+            <a:r>
+              <a:rPr lang="en-US" dirty="0">
+                <a:hlinkClick r:id="rId2"/>
+              </a:rPr>
+              <a:t>https://github.com/physicell-training/04-PhysiCell-intro</a:t>
+            </a:r>
+            <a:endParaRPr lang="en-US" dirty="0"/>
+          </a:p>
+          <a:p>
+            <a:pPr marL="0" indent="0">
+              <a:buNone/>
+              <a:tabLst>
+                <a:tab pos="1828800" algn="l"/>
+              </a:tabLst>
+            </a:pPr>
+            <a:endParaRPr lang="en-US" dirty="0"/>
+          </a:p>
+          <a:p>
+            <a:pPr marL="0" indent="0">
+              <a:buNone/>
+              <a:tabLst>
+                <a:tab pos="1828800" algn="l"/>
+              </a:tabLst>
+            </a:pPr>
+            <a:r>
+              <a:rPr lang="en-US" b="1" dirty="0">
+                <a:solidFill>
+                  <a:srgbClr val="00B050"/>
+                </a:solidFill>
+              </a:rPr>
+              <a:t>Full training:</a:t>
+            </a:r>
+            <a:r>
+              <a:rPr lang="en-US" dirty="0"/>
+              <a:t> 	Please proceed to 3 (What is an agent-based model?)</a:t>
+            </a:r>
+            <a:br>
+              <a:rPr lang="en-US" dirty="0"/>
+            </a:br>
+            <a:r>
+              <a:rPr lang="en-US" b="1" dirty="0"/>
+              <a:t>link:</a:t>
+            </a:r>
+            <a:r>
+              <a:rPr lang="en-US" dirty="0"/>
+              <a:t> 	</a:t>
+            </a:r>
+            <a:r>
+              <a:rPr lang="en-US" dirty="0">
+                <a:hlinkClick r:id="rId3"/>
+              </a:rPr>
+              <a:t>https://github.com/physicell-training/03-What-is-ABM</a:t>
+            </a:r>
+            <a:endParaRPr lang="en-US" b="1" dirty="0"/>
+          </a:p>
+          <a:p>
+            <a:pPr marL="0" indent="0">
+              <a:buNone/>
+              <a:tabLst>
+                <a:tab pos="1828800" algn="l"/>
+              </a:tabLst>
+            </a:pPr>
+            <a:endParaRPr lang="en-US" b="1" dirty="0"/>
+          </a:p>
+          <a:p>
+            <a:pPr marL="0" indent="0">
+              <a:buNone/>
+              <a:tabLst>
+                <a:tab pos="1828800" algn="l"/>
+              </a:tabLst>
+            </a:pPr>
+            <a:r>
+              <a:rPr lang="en-US" b="1"/>
+              <a:t>More lessons: </a:t>
+            </a:r>
+            <a:r>
+              <a:rPr lang="en-US">
+                <a:hlinkClick r:id="rId4"/>
+              </a:rPr>
+              <a:t>https</a:t>
+            </a:r>
+            <a:r>
+              <a:rPr lang="en-US" dirty="0">
+                <a:hlinkClick r:id="rId4"/>
+              </a:rPr>
+              <a:t>://github.com/physicell-training/master-list</a:t>
+            </a:r>
+            <a:r>
+              <a:rPr lang="en-US" dirty="0"/>
+              <a:t> </a:t>
+            </a:r>
+          </a:p>
+        </p:txBody>
+      </p:sp>
+    </p:spTree>
+    <p:extLst>
+      <p:ext uri="{BB962C8B-B14F-4D97-AF65-F5344CB8AC3E}">
+        <p14:creationId xmlns:p14="http://schemas.microsoft.com/office/powerpoint/2010/main" val="3379997800"/>
+      </p:ext>
+    </p:extLst>
+  </p:cSld>
+  <p:clrMapOvr>
+    <a:masterClrMapping/>
+  </p:clrMapOvr>
+</p:sld>
+</file>
+
+<file path=ppt/slides/slide14.xml><?xml version="1.0" encoding="utf-8"?>
+<p:sld xmlns:a="http://schemas.openxmlformats.org/drawingml/2006/main" xmlns:r="http://schemas.openxmlformats.org/officeDocument/2006/relationships" xmlns:p="http://schemas.openxmlformats.org/presentationml/2006/main">
+  <p:cSld>
+    <p:spTree>
+      <p:nvGrpSpPr>
+        <p:cNvPr id="1" name=""/>
+        <p:cNvGrpSpPr/>
+        <p:nvPr/>
+      </p:nvGrpSpPr>
+      <p:grpSpPr>
+        <a:xfrm>
+          <a:off x="0" y="0"/>
+          <a:ext cx="0" cy="0"/>
+          <a:chOff x="0" y="0"/>
+          <a:chExt cx="0" cy="0"/>
+        </a:xfrm>
+      </p:grpSpPr>
+      <p:sp>
+        <p:nvSpPr>
           <p:cNvPr id="2" name="Title 1">
             <a:extLst>
               <a:ext uri="{FF2B5EF4-FFF2-40B4-BE49-F238E27FC236}">
@@ -4770,10 +4774,9 @@
           <a:lstStyle/>
           <a:p>
             <a:r>
-              <a:rPr lang="en-US" dirty="0" smtClean="0"/>
+              <a:rPr lang="en-US" dirty="0"/>
               <a:t>Credits</a:t>
             </a:r>
-            <a:endParaRPr lang="en-US" dirty="0"/>
           </a:p>
         </p:txBody>
       </p:sp>
@@ -4812,22 +4815,18 @@
             </a:r>
             <a:r>
               <a:rPr lang="en-US" dirty="0"/>
-              <a:t>	Paul </a:t>
-            </a:r>
-            <a:r>
-              <a:rPr lang="en-US" dirty="0" smtClean="0"/>
-              <a:t>Macklin, Drew Willis</a:t>
-            </a:r>
-            <a:r>
-              <a:rPr lang="en-US" baseline="30000" dirty="0" smtClean="0"/>
+              <a:t>	Paul Macklin, Drew Willis</a:t>
+            </a:r>
+            <a:r>
+              <a:rPr lang="en-US" baseline="30000" dirty="0"/>
               <a:t>*</a:t>
             </a:r>
             <a:r>
-              <a:rPr lang="en-US" dirty="0" smtClean="0"/>
+              <a:rPr lang="en-US" dirty="0"/>
               <a:t>, Randy </a:t>
             </a:r>
             <a:r>
-              <a:rPr lang="en-US" dirty="0" err="1" smtClean="0"/>
+              <a:rPr lang="en-US" dirty="0" err="1"/>
               <a:t>Heiland</a:t>
             </a:r>
             <a:endParaRPr lang="en-US" dirty="0"/>
@@ -4845,21 +4844,16 @@
             </a:r>
             <a:r>
               <a:rPr lang="en-US" dirty="0"/>
-              <a:t>	Paul </a:t>
-            </a:r>
-            <a:r>
-              <a:rPr lang="en-US" dirty="0" smtClean="0"/>
-              <a:t>Macklin, Drew Willis, Randy </a:t>
-            </a:r>
-            <a:r>
-              <a:rPr lang="en-US" dirty="0" err="1" smtClean="0"/>
+              <a:t>	Paul Macklin, Drew Willis, Randy </a:t>
+            </a:r>
+            <a:r>
+              <a:rPr lang="en-US" dirty="0" err="1"/>
               <a:t>Heiland</a:t>
             </a:r>
             <a:r>
-              <a:rPr lang="en-US" dirty="0" smtClean="0"/>
+              <a:rPr lang="en-US" dirty="0"/>
               <a:t> </a:t>
             </a:r>
-            <a:endParaRPr lang="en-US" dirty="0"/>
           </a:p>
           <a:p>
             <a:pPr marL="0" indent="0">
@@ -4874,13 +4868,8 @@
             </a:r>
             <a:r>
               <a:rPr lang="en-US" dirty="0"/>
-              <a:t>	Paul </a:t>
-            </a:r>
-            <a:r>
-              <a:rPr lang="en-US" dirty="0" smtClean="0"/>
-              <a:t>Macklin, others? </a:t>
-            </a:r>
-            <a:endParaRPr lang="en-US" dirty="0"/>
+              <a:t>	Paul Macklin, others? </a:t>
+            </a:r>
           </a:p>
           <a:p>
             <a:pPr marL="0" indent="0">
@@ -4934,13 +4923,13 @@
               <a:t>	</a:t>
             </a:r>
             <a:r>
-              <a:rPr lang="en-US" smtClean="0">
+              <a:rPr lang="en-US">
                 <a:hlinkClick r:id="rId2"/>
               </a:rPr>
               <a:t>https://www.nanohub.org/tools/</a:t>
             </a:r>
             <a:r>
-              <a:rPr lang="en-US" smtClean="0"/>
+              <a:rPr lang="en-US"/>
               <a:t>??? </a:t>
             </a:r>
             <a:endParaRPr lang="en-US" dirty="0"/>
@@ -5489,7 +5478,7 @@
             </a:pPr>
             <a:r>
               <a:rPr lang="en-US" dirty="0"/>
-              <a:t>Use your google account to sign in in the future.  </a:t>
+              <a:t>Use your google account for future logins.  </a:t>
             </a:r>
           </a:p>
           <a:p>
@@ -6004,7 +5993,13 @@
       </p:grpSpPr>
       <p:sp>
         <p:nvSpPr>
-          <p:cNvPr id="2" name="Title 1"/>
+          <p:cNvPr id="2" name="Title 1">
+            <a:extLst>
+              <a:ext uri="{FF2B5EF4-FFF2-40B4-BE49-F238E27FC236}">
+                <a16:creationId xmlns:a16="http://schemas.microsoft.com/office/drawing/2014/main" id="{C96E52E7-AC30-4EE6-B5F0-C31341D624B2}"/>
+              </a:ext>
+            </a:extLst>
+          </p:cNvPr>
           <p:cNvSpPr>
             <a:spLocks noGrp="1"/>
           </p:cNvSpPr>
@@ -6018,29 +6013,26 @@
           <a:lstStyle/>
           <a:p>
             <a:r>
-              <a:rPr lang="en-US" dirty="0" smtClean="0"/>
-              <a:t>Sample </a:t>
-            </a:r>
-            <a:r>
-              <a:rPr lang="en-US" dirty="0" err="1" smtClean="0"/>
-              <a:t>nanoHUB</a:t>
-            </a:r>
-            <a:r>
-              <a:rPr lang="en-US" dirty="0" smtClean="0"/>
-              <a:t> app</a:t>
-            </a:r>
-            <a:endParaRPr lang="en-US" dirty="0"/>
-          </a:p>
-        </p:txBody>
-      </p:sp>
-      <p:sp>
-        <p:nvSpPr>
-          <p:cNvPr id="3" name="Content Placeholder 2"/>
-          <p:cNvSpPr>
-            <a:spLocks noGrp="1"/>
-          </p:cNvSpPr>
-          <p:nvPr>
-            <p:ph sz="half" idx="1"/>
+              <a:rPr lang="en-US" dirty="0"/>
+              <a:t>Goals</a:t>
+            </a:r>
+          </a:p>
+        </p:txBody>
+      </p:sp>
+      <p:sp>
+        <p:nvSpPr>
+          <p:cNvPr id="4" name="Content Placeholder 3">
+            <a:extLst>
+              <a:ext uri="{FF2B5EF4-FFF2-40B4-BE49-F238E27FC236}">
+                <a16:creationId xmlns:a16="http://schemas.microsoft.com/office/drawing/2014/main" id="{0AF6D64C-8AF8-42EE-9A54-EAF80E2F18FB}"/>
+              </a:ext>
+            </a:extLst>
+          </p:cNvPr>
+          <p:cNvSpPr>
+            <a:spLocks noGrp="1"/>
+          </p:cNvSpPr>
+          <p:nvPr>
+            <p:ph idx="1"/>
           </p:nvPr>
         </p:nvSpPr>
         <p:spPr/>
@@ -6049,23 +6041,48 @@
           <a:lstStyle/>
           <a:p>
             <a:r>
-              <a:rPr lang="en-US" dirty="0" smtClean="0"/>
-              <a:t>I suggest </a:t>
-            </a:r>
-            <a:r>
-              <a:rPr lang="en-US" dirty="0" err="1" smtClean="0"/>
-              <a:t>pcISA</a:t>
-            </a:r>
-            <a:r>
-              <a:rPr lang="en-US" dirty="0" smtClean="0"/>
-              <a:t> or pc4cancerbots </a:t>
-            </a:r>
-          </a:p>
-          <a:p>
-            <a:r>
-              <a:rPr lang="en-US" dirty="0" smtClean="0"/>
-              <a:t>Something fast but reasonably interesting. </a:t>
-            </a:r>
+              <a:rPr lang="en-US" dirty="0"/>
+              <a:t>Many of the PhysiCell lessons are paired with </a:t>
+            </a:r>
+            <a:r>
+              <a:rPr lang="en-US" b="1" dirty="0"/>
+              <a:t>educational microapps</a:t>
+            </a:r>
+            <a:r>
+              <a:rPr lang="en-US" dirty="0"/>
+              <a:t>: targeted cloud-hosted models designed to illustrate a core PhysiCell concept. </a:t>
+            </a:r>
+          </a:p>
+          <a:p>
+            <a:endParaRPr lang="en-US" dirty="0"/>
+          </a:p>
+          <a:p>
+            <a:r>
+              <a:rPr lang="en-US" dirty="0"/>
+              <a:t>All PhysiCell-powered </a:t>
+            </a:r>
+            <a:r>
+              <a:rPr lang="en-US" dirty="0" err="1"/>
+              <a:t>nanoHUB</a:t>
+            </a:r>
+            <a:r>
+              <a:rPr lang="en-US" dirty="0"/>
+              <a:t> apps share common features. </a:t>
+            </a:r>
+          </a:p>
+          <a:p>
+            <a:endParaRPr lang="en-US" dirty="0"/>
+          </a:p>
+          <a:p>
+            <a:r>
+              <a:rPr lang="en-US" dirty="0"/>
+              <a:t>This brief lesson will walk you through those features. </a:t>
+            </a:r>
+          </a:p>
+          <a:p>
+            <a:endParaRPr lang="en-US" dirty="0"/>
+          </a:p>
+          <a:p>
             <a:endParaRPr lang="en-US" dirty="0"/>
           </a:p>
         </p:txBody>
@@ -6073,7 +6090,7 @@
     </p:spTree>
     <p:extLst>
       <p:ext uri="{BB962C8B-B14F-4D97-AF65-F5344CB8AC3E}">
-        <p14:creationId xmlns:p14="http://schemas.microsoft.com/office/powerpoint/2010/main" val="1057953166"/>
+        <p14:creationId xmlns:p14="http://schemas.microsoft.com/office/powerpoint/2010/main" val="3382611337"/>
       </p:ext>
     </p:extLst>
   </p:cSld>
@@ -6116,10 +6133,17 @@
           <a:lstStyle/>
           <a:p>
             <a:r>
-              <a:rPr lang="en-US" dirty="0" smtClean="0"/>
-              <a:t>Splash screen and launching tool</a:t>
-            </a:r>
-            <a:endParaRPr lang="en-US" dirty="0"/>
+              <a:rPr lang="en-US" dirty="0"/>
+              <a:t>Sample </a:t>
+            </a:r>
+            <a:r>
+              <a:rPr lang="en-US" dirty="0" err="1"/>
+              <a:t>nanoHUB</a:t>
+            </a:r>
+            <a:r>
+              <a:rPr lang="en-US" dirty="0"/>
+              <a:t> app</a:t>
+            </a:r>
           </a:p>
         </p:txBody>
       </p:sp>
@@ -6138,14 +6162,31 @@
           <a:bodyPr/>
           <a:lstStyle/>
           <a:p>
-            <a:endParaRPr lang="en-US" dirty="0"/>
+            <a:r>
+              <a:rPr lang="en-US" dirty="0"/>
+              <a:t>I suggest </a:t>
+            </a:r>
+            <a:r>
+              <a:rPr lang="en-US" dirty="0" err="1"/>
+              <a:t>pcISA</a:t>
+            </a:r>
+            <a:r>
+              <a:rPr lang="en-US" dirty="0"/>
+              <a:t> or pc4cancerbots </a:t>
+            </a:r>
+          </a:p>
+          <a:p>
+            <a:r>
+              <a:rPr lang="en-US" dirty="0"/>
+              <a:t>Something fast but reasonably interesting. </a:t>
+            </a:r>
           </a:p>
         </p:txBody>
       </p:sp>
     </p:spTree>
     <p:extLst>
       <p:ext uri="{BB962C8B-B14F-4D97-AF65-F5344CB8AC3E}">
-        <p14:creationId xmlns:p14="http://schemas.microsoft.com/office/powerpoint/2010/main" val="3853657343"/>
+        <p14:creationId xmlns:p14="http://schemas.microsoft.com/office/powerpoint/2010/main" val="1057953166"/>
       </p:ext>
     </p:extLst>
   </p:cSld>
@@ -6188,10 +6229,9 @@
           <a:lstStyle/>
           <a:p>
             <a:r>
-              <a:rPr lang="en-US" dirty="0" smtClean="0"/>
-              <a:t>About tab</a:t>
-            </a:r>
-            <a:endParaRPr lang="en-US" dirty="0"/>
+              <a:rPr lang="en-US" dirty="0"/>
+              <a:t>Splash screen and launching tool</a:t>
+            </a:r>
           </a:p>
         </p:txBody>
       </p:sp>
@@ -6217,7 +6257,7 @@
     </p:spTree>
     <p:extLst>
       <p:ext uri="{BB962C8B-B14F-4D97-AF65-F5344CB8AC3E}">
-        <p14:creationId xmlns:p14="http://schemas.microsoft.com/office/powerpoint/2010/main" val="1779874216"/>
+        <p14:creationId xmlns:p14="http://schemas.microsoft.com/office/powerpoint/2010/main" val="3853657343"/>
       </p:ext>
     </p:extLst>
   </p:cSld>
@@ -6260,14 +6300,9 @@
           <a:lstStyle/>
           <a:p>
             <a:r>
-              <a:rPr lang="en-US" dirty="0" err="1" smtClean="0"/>
-              <a:t>Config</a:t>
-            </a:r>
-            <a:r>
-              <a:rPr lang="en-US" dirty="0" smtClean="0"/>
-              <a:t> basics</a:t>
-            </a:r>
-            <a:endParaRPr lang="en-US" dirty="0"/>
+              <a:rPr lang="en-US" dirty="0"/>
+              <a:t>About tab</a:t>
+            </a:r>
           </a:p>
         </p:txBody>
       </p:sp>
@@ -6293,7 +6328,7 @@
     </p:spTree>
     <p:extLst>
       <p:ext uri="{BB962C8B-B14F-4D97-AF65-F5344CB8AC3E}">
-        <p14:creationId xmlns:p14="http://schemas.microsoft.com/office/powerpoint/2010/main" val="2202537476"/>
+        <p14:creationId xmlns:p14="http://schemas.microsoft.com/office/powerpoint/2010/main" val="1779874216"/>
       </p:ext>
     </p:extLst>
   </p:cSld>
@@ -6336,10 +6371,13 @@
           <a:lstStyle/>
           <a:p>
             <a:r>
-              <a:rPr lang="en-US" dirty="0" smtClean="0"/>
-              <a:t>User parameters</a:t>
-            </a:r>
-            <a:endParaRPr lang="en-US" dirty="0"/>
+              <a:rPr lang="en-US" dirty="0" err="1"/>
+              <a:t>Config</a:t>
+            </a:r>
+            <a:r>
+              <a:rPr lang="en-US" dirty="0"/>
+              <a:t> basics</a:t>
+            </a:r>
           </a:p>
         </p:txBody>
       </p:sp>
@@ -6365,7 +6403,7 @@
     </p:spTree>
     <p:extLst>
       <p:ext uri="{BB962C8B-B14F-4D97-AF65-F5344CB8AC3E}">
-        <p14:creationId xmlns:p14="http://schemas.microsoft.com/office/powerpoint/2010/main" val="1677270628"/>
+        <p14:creationId xmlns:p14="http://schemas.microsoft.com/office/powerpoint/2010/main" val="2202537476"/>
       </p:ext>
     </p:extLst>
   </p:cSld>
@@ -6408,10 +6446,9 @@
           <a:lstStyle/>
           <a:p>
             <a:r>
-              <a:rPr lang="en-US" dirty="0" smtClean="0"/>
-              <a:t>Out: Cell Plots</a:t>
-            </a:r>
-            <a:endParaRPr lang="en-US" dirty="0"/>
+              <a:rPr lang="en-US" dirty="0"/>
+              <a:t>User parameters</a:t>
+            </a:r>
           </a:p>
         </p:txBody>
       </p:sp>
@@ -6437,7 +6474,7 @@
     </p:spTree>
     <p:extLst>
       <p:ext uri="{BB962C8B-B14F-4D97-AF65-F5344CB8AC3E}">
-        <p14:creationId xmlns:p14="http://schemas.microsoft.com/office/powerpoint/2010/main" val="2283372053"/>
+        <p14:creationId xmlns:p14="http://schemas.microsoft.com/office/powerpoint/2010/main" val="1677270628"/>
       </p:ext>
     </p:extLst>
   </p:cSld>
@@ -6480,10 +6517,9 @@
           <a:lstStyle/>
           <a:p>
             <a:r>
-              <a:rPr lang="en-US" dirty="0" smtClean="0"/>
-              <a:t>Out: Substrate Plots</a:t>
-            </a:r>
-            <a:endParaRPr lang="en-US" dirty="0"/>
+              <a:rPr lang="en-US" dirty="0"/>
+              <a:t>Out: Cell Plots</a:t>
+            </a:r>
           </a:p>
         </p:txBody>
       </p:sp>
@@ -6509,7 +6545,7 @@
     </p:spTree>
     <p:extLst>
       <p:ext uri="{BB962C8B-B14F-4D97-AF65-F5344CB8AC3E}">
-        <p14:creationId xmlns:p14="http://schemas.microsoft.com/office/powerpoint/2010/main" val="3552811145"/>
+        <p14:creationId xmlns:p14="http://schemas.microsoft.com/office/powerpoint/2010/main" val="2283372053"/>
       </p:ext>
     </p:extLst>
   </p:cSld>

--- a/pptx_source/02-How-to-nanoHUB.pptx
+++ b/pptx_source/02-How-to-nanoHUB.pptx
@@ -3405,7 +3405,7 @@
               </a14:hiddenLine>
             </a:ext>
             <a:ext uri="{FAA26D3D-D897-4be2-8F04-BA451C77F1D7}">
-              <ma14:placeholderFlag xmlns="" xmlns:ma14="http://schemas.microsoft.com/office/mac/drawingml/2011/main" val="1"/>
+              <ma14:placeholderFlag xmlns:ma14="http://schemas.microsoft.com/office/mac/drawingml/2011/main" xmlns="" val="1"/>
             </a:ext>
           </a:extLst>
         </p:spPr>
@@ -6142,7 +6142,7 @@
             </a:r>
             <a:r>
               <a:rPr lang="en-US" dirty="0"/>
-              <a:t> app</a:t>
+              <a:t> app: biorobots</a:t>
             </a:r>
           </a:p>
         </p:txBody>
@@ -6154,7 +6154,7 @@
             <a:spLocks noGrp="1"/>
           </p:cNvSpPr>
           <p:nvPr>
-            <p:ph sz="half" idx="1"/>
+            <p:ph idx="1"/>
           </p:nvPr>
         </p:nvSpPr>
         <p:spPr/>
@@ -6164,22 +6164,32 @@
           <a:p>
             <a:r>
               <a:rPr lang="en-US" dirty="0"/>
-              <a:t>I suggest </a:t>
-            </a:r>
-            <a:r>
-              <a:rPr lang="en-US" dirty="0" err="1"/>
-              <a:t>pcISA</a:t>
-            </a:r>
-            <a:r>
-              <a:rPr lang="en-US" dirty="0"/>
-              <a:t> or pc4cancerbots </a:t>
-            </a:r>
-          </a:p>
-          <a:p>
-            <a:r>
-              <a:rPr lang="en-US" dirty="0"/>
-              <a:t>Something fast but reasonably interesting. </a:t>
-            </a:r>
+              <a:t>This model explores how engineered cells could be used as a cargo delivery system. </a:t>
+            </a:r>
+          </a:p>
+          <a:p>
+            <a:r>
+              <a:rPr lang="en-US" dirty="0"/>
+              <a:t>Green cells (directors):</a:t>
+            </a:r>
+          </a:p>
+          <a:p>
+            <a:r>
+              <a:rPr lang="en-US" dirty="0"/>
+              <a:t>Blue cells (cargo):</a:t>
+            </a:r>
+          </a:p>
+          <a:p>
+            <a:r>
+              <a:rPr lang="en-US" dirty="0"/>
+              <a:t>Red cells (workers):</a:t>
+            </a:r>
+          </a:p>
+          <a:p>
+            <a:endParaRPr lang="en-US" dirty="0"/>
+          </a:p>
+          <a:p>
+            <a:endParaRPr lang="en-US" dirty="0"/>
           </a:p>
         </p:txBody>
       </p:sp>

--- a/pptx_source/02-How-to-nanoHUB.pptx
+++ b/pptx_source/02-How-to-nanoHUB.pptx
@@ -6169,8 +6169,45 @@
           </a:p>
           <a:p>
             <a:r>
-              <a:rPr lang="en-US" dirty="0"/>
-              <a:t>Green cells (directors):</a:t>
+              <a:rPr lang="en-US" b="1" dirty="0"/>
+              <a:t>Director</a:t>
+            </a:r>
+            <a:r>
+              <a:rPr lang="en-US" dirty="0"/>
+              <a:t> cells:</a:t>
+            </a:r>
+          </a:p>
+          <a:p>
+            <a:r>
+              <a:rPr lang="en-US" b="1" dirty="0"/>
+              <a:t>Cargo </a:t>
+            </a:r>
+            <a:r>
+              <a:rPr lang="en-US" dirty="0"/>
+              <a:t>cells:</a:t>
+            </a:r>
+          </a:p>
+          <a:p>
+            <a:endParaRPr lang="en-US" b="1" dirty="0"/>
+          </a:p>
+          <a:p>
+            <a:r>
+              <a:rPr lang="en-US" b="1" dirty="0"/>
+              <a:t>Worker </a:t>
+            </a:r>
+            <a:r>
+              <a:rPr lang="en-US" dirty="0"/>
+              <a:t>cells: </a:t>
+            </a:r>
+            <a:endParaRPr lang="en-US" b="1" dirty="0"/>
+          </a:p>
+          <a:p>
+            <a:endParaRPr lang="en-US" dirty="0"/>
+          </a:p>
+          <a:p>
+            <a:r>
+              <a:rPr lang="en-US" dirty="0"/>
+              <a:t> (directors):</a:t>
             </a:r>
           </a:p>
           <a:p>

--- a/pptx_source/02-How-to-nanoHUB.pptx
+++ b/pptx_source/02-How-to-nanoHUB.pptx
@@ -5,23 +5,25 @@
     <p:sldMasterId id="2147483660" r:id="rId1"/>
   </p:sldMasterIdLst>
   <p:notesMasterIdLst>
-    <p:notesMasterId r:id="rId16"/>
+    <p:notesMasterId r:id="rId18"/>
   </p:notesMasterIdLst>
   <p:sldIdLst>
     <p:sldId id="257" r:id="rId2"/>
     <p:sldId id="262" r:id="rId3"/>
     <p:sldId id="278" r:id="rId4"/>
-    <p:sldId id="268" r:id="rId5"/>
-    <p:sldId id="269" r:id="rId6"/>
-    <p:sldId id="270" r:id="rId7"/>
-    <p:sldId id="271" r:id="rId8"/>
-    <p:sldId id="272" r:id="rId9"/>
-    <p:sldId id="273" r:id="rId10"/>
-    <p:sldId id="274" r:id="rId11"/>
-    <p:sldId id="275" r:id="rId12"/>
-    <p:sldId id="277" r:id="rId13"/>
-    <p:sldId id="266" r:id="rId14"/>
-    <p:sldId id="267" r:id="rId15"/>
+    <p:sldId id="280" r:id="rId5"/>
+    <p:sldId id="268" r:id="rId6"/>
+    <p:sldId id="269" r:id="rId7"/>
+    <p:sldId id="270" r:id="rId8"/>
+    <p:sldId id="271" r:id="rId9"/>
+    <p:sldId id="281" r:id="rId10"/>
+    <p:sldId id="272" r:id="rId11"/>
+    <p:sldId id="282" r:id="rId12"/>
+    <p:sldId id="273" r:id="rId13"/>
+    <p:sldId id="274" r:id="rId14"/>
+    <p:sldId id="277" r:id="rId15"/>
+    <p:sldId id="266" r:id="rId16"/>
+    <p:sldId id="267" r:id="rId17"/>
   </p:sldIdLst>
   <p:sldSz cx="9144000" cy="5143500" type="screen16x9"/>
   <p:notesSz cx="6858000" cy="9144000"/>
@@ -305,7 +307,7 @@
               <a:pPr>
                 <a:defRPr/>
               </a:pPr>
-              <a:t>11/13/2019</a:t>
+              <a:t>11/24/2019</a:t>
             </a:fld>
             <a:endParaRPr lang="en-US" dirty="0"/>
           </a:p>
@@ -4312,14 +4314,20 @@
           <a:p>
             <a:r>
               <a:rPr lang="en-US" dirty="0"/>
-              <a:t>Out: Substrate Plots</a:t>
-            </a:r>
-          </a:p>
-        </p:txBody>
-      </p:sp>
-      <p:sp>
-        <p:nvSpPr>
-          <p:cNvPr id="3" name="Content Placeholder 2"/>
+              <a:t>User parameters</a:t>
+            </a:r>
+          </a:p>
+        </p:txBody>
+      </p:sp>
+      <p:sp>
+        <p:nvSpPr>
+          <p:cNvPr id="4" name="Content Placeholder 3">
+            <a:extLst>
+              <a:ext uri="{FF2B5EF4-FFF2-40B4-BE49-F238E27FC236}">
+                <a16:creationId xmlns:a16="http://schemas.microsoft.com/office/drawing/2014/main" id="{50260684-28D8-4A86-ADE6-B8D14A02D240}"/>
+              </a:ext>
+            </a:extLst>
+          </p:cNvPr>
           <p:cNvSpPr>
             <a:spLocks noGrp="1"/>
           </p:cNvSpPr>
@@ -4332,14 +4340,47 @@
           <a:bodyPr/>
           <a:lstStyle/>
           <a:p>
-            <a:endParaRPr lang="en-US" dirty="0"/>
-          </a:p>
-        </p:txBody>
-      </p:sp>
+            <a:r>
+              <a:rPr lang="en-US" dirty="0"/>
+              <a:t>is ta</a:t>
+            </a:r>
+          </a:p>
+        </p:txBody>
+      </p:sp>
+      <p:pic>
+        <p:nvPicPr>
+          <p:cNvPr id="3" name="Picture 2">
+            <a:extLst>
+              <a:ext uri="{FF2B5EF4-FFF2-40B4-BE49-F238E27FC236}">
+                <a16:creationId xmlns:a16="http://schemas.microsoft.com/office/drawing/2014/main" id="{DC523D46-902D-4C8B-9F48-C0EE8AA4C1C6}"/>
+              </a:ext>
+            </a:extLst>
+          </p:cNvPr>
+          <p:cNvPicPr>
+            <a:picLocks noChangeAspect="1"/>
+          </p:cNvPicPr>
+          <p:nvPr/>
+        </p:nvPicPr>
+        <p:blipFill>
+          <a:blip r:embed="rId2"/>
+          <a:stretch>
+            <a:fillRect/>
+          </a:stretch>
+        </p:blipFill>
+        <p:spPr>
+          <a:xfrm>
+            <a:off x="3657600" y="1114425"/>
+            <a:ext cx="5486400" cy="2914650"/>
+          </a:xfrm>
+          <a:prstGeom prst="rect">
+            <a:avLst/>
+          </a:prstGeom>
+        </p:spPr>
+      </p:pic>
     </p:spTree>
     <p:extLst>
       <p:ext uri="{BB962C8B-B14F-4D97-AF65-F5344CB8AC3E}">
-        <p14:creationId xmlns:p14="http://schemas.microsoft.com/office/powerpoint/2010/main" val="3552811145"/>
+        <p14:creationId xmlns:p14="http://schemas.microsoft.com/office/powerpoint/2010/main" val="1677270628"/>
       </p:ext>
     </p:extLst>
   </p:cSld>
@@ -4368,7 +4409,13 @@
       </p:grpSpPr>
       <p:sp>
         <p:nvSpPr>
-          <p:cNvPr id="2" name="Title 1"/>
+          <p:cNvPr id="2" name="Title 1">
+            <a:extLst>
+              <a:ext uri="{FF2B5EF4-FFF2-40B4-BE49-F238E27FC236}">
+                <a16:creationId xmlns:a16="http://schemas.microsoft.com/office/drawing/2014/main" id="{0F2C9575-1EA8-4E16-B5CC-19A3031D0660}"/>
+              </a:ext>
+            </a:extLst>
+          </p:cNvPr>
           <p:cNvSpPr>
             <a:spLocks noGrp="1"/>
           </p:cNvSpPr>
@@ -4383,14 +4430,20 @@
           <a:p>
             <a:r>
               <a:rPr lang="en-US" dirty="0"/>
-              <a:t>Downloading simulation plots</a:t>
-            </a:r>
-          </a:p>
-        </p:txBody>
-      </p:sp>
-      <p:sp>
-        <p:nvSpPr>
-          <p:cNvPr id="3" name="Content Placeholder 2"/>
+              <a:t>Running</a:t>
+            </a:r>
+          </a:p>
+        </p:txBody>
+      </p:sp>
+      <p:sp>
+        <p:nvSpPr>
+          <p:cNvPr id="3" name="Content Placeholder 2">
+            <a:extLst>
+              <a:ext uri="{FF2B5EF4-FFF2-40B4-BE49-F238E27FC236}">
+                <a16:creationId xmlns:a16="http://schemas.microsoft.com/office/drawing/2014/main" id="{185C80F5-235C-4B38-8E91-A0EF0D8E8FE7}"/>
+              </a:ext>
+            </a:extLst>
+          </p:cNvPr>
           <p:cNvSpPr>
             <a:spLocks noGrp="1"/>
           </p:cNvSpPr>
@@ -4403,14 +4456,165 @@
           <a:bodyPr/>
           <a:lstStyle/>
           <a:p>
-            <a:endParaRPr lang="en-US"/>
+            <a:r>
+              <a:rPr lang="en-US" dirty="0"/>
+              <a:t>One ready, click </a:t>
+            </a:r>
+            <a:r>
+              <a:rPr lang="en-US" b="1" dirty="0">
+                <a:solidFill>
+                  <a:schemeClr val="bg1"/>
+                </a:solidFill>
+                <a:highlight>
+                  <a:srgbClr val="4CAF50"/>
+                </a:highlight>
+              </a:rPr>
+              <a:t>  Run </a:t>
+            </a:r>
+            <a:r>
+              <a:rPr lang="en-US" b="1" dirty="0">
+                <a:solidFill>
+                  <a:srgbClr val="4CAF50"/>
+                </a:solidFill>
+                <a:highlight>
+                  <a:srgbClr val="4CAF50"/>
+                </a:highlight>
+              </a:rPr>
+              <a:t>.</a:t>
+            </a:r>
+          </a:p>
+          <a:p>
+            <a:r>
+              <a:rPr lang="en-US" dirty="0"/>
+              <a:t>The standard model outputs will start appearing below </a:t>
+            </a:r>
+            <a:endParaRPr lang="en-US" b="1" dirty="0">
+              <a:solidFill>
+                <a:srgbClr val="4CAF50"/>
+              </a:solidFill>
+              <a:highlight>
+                <a:srgbClr val="4CAF50"/>
+              </a:highlight>
+            </a:endParaRPr>
+          </a:p>
+        </p:txBody>
+      </p:sp>
+      <p:pic>
+        <p:nvPicPr>
+          <p:cNvPr id="4" name="Picture 3">
+            <a:extLst>
+              <a:ext uri="{FF2B5EF4-FFF2-40B4-BE49-F238E27FC236}">
+                <a16:creationId xmlns:a16="http://schemas.microsoft.com/office/drawing/2014/main" id="{444BAF0E-12AA-43AA-9E56-EBA1E99E4E11}"/>
+              </a:ext>
+            </a:extLst>
+          </p:cNvPr>
+          <p:cNvPicPr>
+            <a:picLocks noChangeAspect="1"/>
+          </p:cNvPicPr>
+          <p:nvPr/>
+        </p:nvPicPr>
+        <p:blipFill>
+          <a:blip r:embed="rId2"/>
+          <a:stretch>
+            <a:fillRect/>
+          </a:stretch>
+        </p:blipFill>
+        <p:spPr>
+          <a:xfrm>
+            <a:off x="3657600" y="951866"/>
+            <a:ext cx="5486400" cy="2914650"/>
+          </a:xfrm>
+          <a:prstGeom prst="rect">
+            <a:avLst/>
+          </a:prstGeom>
+        </p:spPr>
+      </p:pic>
+      <p:pic>
+        <p:nvPicPr>
+          <p:cNvPr id="5" name="Picture 4">
+            <a:extLst>
+              <a:ext uri="{FF2B5EF4-FFF2-40B4-BE49-F238E27FC236}">
+                <a16:creationId xmlns:a16="http://schemas.microsoft.com/office/drawing/2014/main" id="{DC354BE1-536D-4823-9C4C-64FD36E00E60}"/>
+              </a:ext>
+            </a:extLst>
+          </p:cNvPr>
+          <p:cNvPicPr>
+            <a:picLocks noChangeAspect="1"/>
+          </p:cNvPicPr>
+          <p:nvPr/>
+        </p:nvPicPr>
+        <p:blipFill>
+          <a:blip r:embed="rId3"/>
+          <a:stretch>
+            <a:fillRect/>
+          </a:stretch>
+        </p:blipFill>
+        <p:spPr>
+          <a:xfrm>
+            <a:off x="91440" y="2409191"/>
+            <a:ext cx="3474720" cy="1845945"/>
+          </a:xfrm>
+          <a:prstGeom prst="rect">
+            <a:avLst/>
+          </a:prstGeom>
+        </p:spPr>
+      </p:pic>
+      <p:sp>
+        <p:nvSpPr>
+          <p:cNvPr id="6" name="Flowchart: Alternate Process 5">
+            <a:extLst>
+              <a:ext uri="{FF2B5EF4-FFF2-40B4-BE49-F238E27FC236}">
+                <a16:creationId xmlns:a16="http://schemas.microsoft.com/office/drawing/2014/main" id="{C63FF0F9-7086-485E-8D4C-4577083EB19C}"/>
+              </a:ext>
+            </a:extLst>
+          </p:cNvPr>
+          <p:cNvSpPr/>
+          <p:nvPr/>
+        </p:nvSpPr>
+        <p:spPr>
+          <a:xfrm>
+            <a:off x="3718562" y="3138488"/>
+            <a:ext cx="767713" cy="269081"/>
+          </a:xfrm>
+          <a:prstGeom prst="flowChartAlternateProcess">
+            <a:avLst/>
+          </a:prstGeom>
+          <a:noFill/>
+          <a:ln w="38100">
+            <a:solidFill>
+              <a:srgbClr val="FF0000"/>
+            </a:solidFill>
+          </a:ln>
+        </p:spPr>
+        <p:style>
+          <a:lnRef idx="2">
+            <a:schemeClr val="accent1">
+              <a:shade val="50000"/>
+            </a:schemeClr>
+          </a:lnRef>
+          <a:fillRef idx="1">
+            <a:schemeClr val="accent1"/>
+          </a:fillRef>
+          <a:effectRef idx="0">
+            <a:schemeClr val="accent1"/>
+          </a:effectRef>
+          <a:fontRef idx="minor">
+            <a:schemeClr val="lt1"/>
+          </a:fontRef>
+        </p:style>
+        <p:txBody>
+          <a:bodyPr rtlCol="0" anchor="ctr"/>
+          <a:lstStyle/>
+          <a:p>
+            <a:pPr algn="ctr"/>
+            <a:endParaRPr lang="en-US" dirty="0"/>
           </a:p>
         </p:txBody>
       </p:sp>
     </p:spTree>
     <p:extLst>
       <p:ext uri="{BB962C8B-B14F-4D97-AF65-F5344CB8AC3E}">
-        <p14:creationId xmlns:p14="http://schemas.microsoft.com/office/powerpoint/2010/main" val="1014531361"/>
+        <p14:creationId xmlns:p14="http://schemas.microsoft.com/office/powerpoint/2010/main" val="990832504"/>
       </p:ext>
     </p:extLst>
   </p:cSld>
@@ -4439,12 +4643,12 @@
       </p:grpSpPr>
       <p:sp>
         <p:nvSpPr>
-          <p:cNvPr id="4" name="Text Placeholder 3"/>
+          <p:cNvPr id="2" name="Title 1"/>
           <p:cNvSpPr>
             <a:spLocks noGrp="1"/>
           </p:cNvSpPr>
           <p:nvPr>
-            <p:ph type="body" sz="quarter" idx="10"/>
+            <p:ph type="title"/>
           </p:nvPr>
         </p:nvSpPr>
         <p:spPr/>
@@ -4454,15 +4658,191 @@
           <a:p>
             <a:r>
               <a:rPr lang="en-US" dirty="0"/>
-              <a:t>Live demo</a:t>
-            </a:r>
-          </a:p>
-        </p:txBody>
-      </p:sp>
+              <a:t>Simulation output</a:t>
+            </a:r>
+          </a:p>
+        </p:txBody>
+      </p:sp>
+      <p:sp>
+        <p:nvSpPr>
+          <p:cNvPr id="4" name="Content Placeholder 3">
+            <a:extLst>
+              <a:ext uri="{FF2B5EF4-FFF2-40B4-BE49-F238E27FC236}">
+                <a16:creationId xmlns:a16="http://schemas.microsoft.com/office/drawing/2014/main" id="{9DF1D15A-A4E5-4231-8DB2-E695B203EC2C}"/>
+              </a:ext>
+            </a:extLst>
+          </p:cNvPr>
+          <p:cNvSpPr>
+            <a:spLocks noGrp="1"/>
+          </p:cNvSpPr>
+          <p:nvPr>
+            <p:ph sz="half" idx="1"/>
+          </p:nvPr>
+        </p:nvSpPr>
+        <p:spPr/>
+        <p:txBody>
+          <a:bodyPr>
+            <a:normAutofit fontScale="70000" lnSpcReduction="20000"/>
+          </a:bodyPr>
+          <a:lstStyle/>
+          <a:p>
+            <a:pPr>
+              <a:lnSpc>
+                <a:spcPct val="110000"/>
+              </a:lnSpc>
+              <a:spcBef>
+                <a:spcPts val="0"/>
+              </a:spcBef>
+              <a:spcAft>
+                <a:spcPts val="800"/>
+              </a:spcAft>
+            </a:pPr>
+            <a:r>
+              <a:rPr lang="en-US" dirty="0"/>
+              <a:t>Slide the "frame" bar to advance time in the simulation.</a:t>
+            </a:r>
+          </a:p>
+          <a:p>
+            <a:pPr>
+              <a:lnSpc>
+                <a:spcPct val="110000"/>
+              </a:lnSpc>
+              <a:spcBef>
+                <a:spcPts val="0"/>
+              </a:spcBef>
+              <a:spcAft>
+                <a:spcPts val="800"/>
+              </a:spcAft>
+            </a:pPr>
+            <a:r>
+              <a:rPr lang="en-US" dirty="0"/>
+              <a:t>Use the dropdown box to choose a different substrate for visualization.</a:t>
+            </a:r>
+          </a:p>
+          <a:p>
+            <a:pPr lvl="1">
+              <a:lnSpc>
+                <a:spcPct val="110000"/>
+              </a:lnSpc>
+              <a:spcBef>
+                <a:spcPts val="0"/>
+              </a:spcBef>
+              <a:spcAft>
+                <a:spcPts val="800"/>
+              </a:spcAft>
+            </a:pPr>
+            <a:r>
+              <a:rPr lang="en-US" dirty="0"/>
+              <a:t>Use the "fix" to manually set the plot range</a:t>
+            </a:r>
+          </a:p>
+          <a:p>
+            <a:pPr lvl="1">
+              <a:lnSpc>
+                <a:spcPct val="110000"/>
+              </a:lnSpc>
+              <a:spcBef>
+                <a:spcPts val="0"/>
+              </a:spcBef>
+              <a:spcAft>
+                <a:spcPts val="800"/>
+              </a:spcAft>
+            </a:pPr>
+            <a:r>
+              <a:rPr lang="en-US" dirty="0"/>
+              <a:t>Click the righthand dropdown box to change coloring (</a:t>
+            </a:r>
+            <a:r>
+              <a:rPr lang="en-US" dirty="0" err="1"/>
+              <a:t>YIOrRd</a:t>
+            </a:r>
+            <a:r>
+              <a:rPr lang="en-US" dirty="0"/>
+              <a:t>, </a:t>
+            </a:r>
+            <a:r>
+              <a:rPr lang="en-US" dirty="0" err="1"/>
+              <a:t>viridis</a:t>
+            </a:r>
+            <a:r>
+              <a:rPr lang="en-US" dirty="0"/>
+              <a:t>, jet, …)</a:t>
+            </a:r>
+          </a:p>
+          <a:p>
+            <a:pPr>
+              <a:lnSpc>
+                <a:spcPct val="110000"/>
+              </a:lnSpc>
+              <a:spcBef>
+                <a:spcPts val="0"/>
+              </a:spcBef>
+              <a:spcAft>
+                <a:spcPts val="800"/>
+              </a:spcAft>
+            </a:pPr>
+            <a:r>
+              <a:rPr lang="en-US" dirty="0"/>
+              <a:t>The checkboxes on the right let you choose plotting options for the cells.</a:t>
+            </a:r>
+          </a:p>
+          <a:p>
+            <a:pPr>
+              <a:lnSpc>
+                <a:spcPct val="110000"/>
+              </a:lnSpc>
+              <a:spcBef>
+                <a:spcPts val="0"/>
+              </a:spcBef>
+              <a:spcAft>
+                <a:spcPts val="800"/>
+              </a:spcAft>
+            </a:pPr>
+            <a:r>
+              <a:rPr lang="en-US" b="1" dirty="0"/>
+              <a:t>Note:</a:t>
+            </a:r>
+            <a:r>
+              <a:rPr lang="en-US" dirty="0"/>
+              <a:t> Some older apps may split the output into separate "substrate" and "cell" tabs, rather than overlay them. </a:t>
+            </a:r>
+          </a:p>
+        </p:txBody>
+      </p:sp>
+      <p:pic>
+        <p:nvPicPr>
+          <p:cNvPr id="3" name="Picture 2">
+            <a:extLst>
+              <a:ext uri="{FF2B5EF4-FFF2-40B4-BE49-F238E27FC236}">
+                <a16:creationId xmlns:a16="http://schemas.microsoft.com/office/drawing/2014/main" id="{8CF328B5-C371-46CD-9B0F-0E16DE5E74C5}"/>
+              </a:ext>
+            </a:extLst>
+          </p:cNvPr>
+          <p:cNvPicPr>
+            <a:picLocks noChangeAspect="1"/>
+          </p:cNvPicPr>
+          <p:nvPr/>
+        </p:nvPicPr>
+        <p:blipFill>
+          <a:blip r:embed="rId2"/>
+          <a:stretch>
+            <a:fillRect/>
+          </a:stretch>
+        </p:blipFill>
+        <p:spPr>
+          <a:xfrm>
+            <a:off x="3657600" y="1114425"/>
+            <a:ext cx="5486400" cy="2914650"/>
+          </a:xfrm>
+          <a:prstGeom prst="rect">
+            <a:avLst/>
+          </a:prstGeom>
+        </p:spPr>
+      </p:pic>
     </p:spTree>
     <p:extLst>
       <p:ext uri="{BB962C8B-B14F-4D97-AF65-F5344CB8AC3E}">
-        <p14:creationId xmlns:p14="http://schemas.microsoft.com/office/powerpoint/2010/main" val="513049127"/>
+        <p14:creationId xmlns:p14="http://schemas.microsoft.com/office/powerpoint/2010/main" val="2283372053"/>
       </p:ext>
     </p:extLst>
   </p:cSld>
@@ -4491,10 +4871,32 @@
       </p:grpSpPr>
       <p:sp>
         <p:nvSpPr>
-          <p:cNvPr id="6" name="Title 5">
+          <p:cNvPr id="2" name="Title 1"/>
+          <p:cNvSpPr>
+            <a:spLocks noGrp="1"/>
+          </p:cNvSpPr>
+          <p:nvPr>
+            <p:ph type="title"/>
+          </p:nvPr>
+        </p:nvSpPr>
+        <p:spPr/>
+        <p:txBody>
+          <a:bodyPr/>
+          <a:lstStyle/>
+          <a:p>
+            <a:r>
+              <a:rPr lang="en-US" dirty="0"/>
+              <a:t>Downloading simulation plots and data</a:t>
+            </a:r>
+          </a:p>
+        </p:txBody>
+      </p:sp>
+      <p:sp>
+        <p:nvSpPr>
+          <p:cNvPr id="4" name="Content Placeholder 3">
             <a:extLst>
               <a:ext uri="{FF2B5EF4-FFF2-40B4-BE49-F238E27FC236}">
-                <a16:creationId xmlns:a16="http://schemas.microsoft.com/office/drawing/2014/main" id="{C2B99157-DA0D-4841-A580-62EFB758DA8C}"/>
+                <a16:creationId xmlns:a16="http://schemas.microsoft.com/office/drawing/2014/main" id="{B618A9F9-29E3-47E8-8DB5-C3112389C58E}"/>
               </a:ext>
             </a:extLst>
           </p:cNvPr>
@@ -4502,230 +4904,83 @@
             <a:spLocks noGrp="1"/>
           </p:cNvSpPr>
           <p:nvPr>
-            <p:ph type="title"/>
+            <p:ph sz="half" idx="1"/>
           </p:nvPr>
         </p:nvSpPr>
         <p:spPr/>
         <p:txBody>
-          <a:bodyPr/>
+          <a:bodyPr>
+            <a:normAutofit fontScale="92500" lnSpcReduction="10000"/>
+          </a:bodyPr>
           <a:lstStyle/>
           <a:p>
             <a:r>
               <a:rPr lang="en-US" dirty="0"/>
-              <a:t>Next steps</a:t>
-            </a:r>
-          </a:p>
-        </p:txBody>
-      </p:sp>
-      <p:sp>
-        <p:nvSpPr>
-          <p:cNvPr id="7" name="Content Placeholder 6">
+              <a:t>At the bottom of the output tab, you can click</a:t>
+            </a:r>
+          </a:p>
+          <a:p>
+            <a:endParaRPr lang="en-US" dirty="0"/>
+          </a:p>
+          <a:p>
+            <a:r>
+              <a:rPr lang="en-US" dirty="0"/>
+              <a:t>Note that these buttons only work after a simulation is done. </a:t>
+            </a:r>
+          </a:p>
+          <a:p>
+            <a:endParaRPr lang="en-US" dirty="0"/>
+          </a:p>
+          <a:p>
+            <a:r>
+              <a:rPr lang="en-US" dirty="0"/>
+              <a:t>See the PhysiCell-Tools ecosystem for tips on loading simulation data in </a:t>
+            </a:r>
+            <a:r>
+              <a:rPr lang="en-US" dirty="0" err="1"/>
+              <a:t>Matlab</a:t>
+            </a:r>
+            <a:r>
+              <a:rPr lang="en-US" dirty="0"/>
+              <a:t>, Python, and other environments. </a:t>
+            </a:r>
+          </a:p>
+        </p:txBody>
+      </p:sp>
+      <p:pic>
+        <p:nvPicPr>
+          <p:cNvPr id="3" name="Picture 2">
             <a:extLst>
               <a:ext uri="{FF2B5EF4-FFF2-40B4-BE49-F238E27FC236}">
-                <a16:creationId xmlns:a16="http://schemas.microsoft.com/office/drawing/2014/main" id="{B3307B35-8D84-4BA2-8128-A71EB12F30AE}"/>
+                <a16:creationId xmlns:a16="http://schemas.microsoft.com/office/drawing/2014/main" id="{7374A2C1-7685-4F12-A4CC-D68874EBB77E}"/>
               </a:ext>
             </a:extLst>
           </p:cNvPr>
-          <p:cNvSpPr>
-            <a:spLocks noGrp="1"/>
-          </p:cNvSpPr>
-          <p:nvPr>
-            <p:ph idx="1"/>
-          </p:nvPr>
-        </p:nvSpPr>
-        <p:spPr/>
-        <p:txBody>
-          <a:bodyPr>
-            <a:normAutofit lnSpcReduction="10000"/>
-          </a:bodyPr>
-          <a:lstStyle/>
-          <a:p>
-            <a:pPr marL="0" indent="0">
-              <a:buNone/>
-              <a:tabLst>
-                <a:tab pos="1828800" algn="l"/>
-              </a:tabLst>
-            </a:pPr>
-            <a:r>
-              <a:rPr lang="en-US" b="1" dirty="0">
-                <a:solidFill>
-                  <a:srgbClr val="FF0000"/>
-                </a:solidFill>
-              </a:rPr>
-              <a:t>Super fast:</a:t>
-            </a:r>
-            <a:r>
-              <a:rPr lang="en-US" dirty="0"/>
-              <a:t> 	Please proceed to 4 (Introduction to PhysiCell)</a:t>
-            </a:r>
-            <a:br>
-              <a:rPr lang="en-US" dirty="0"/>
-            </a:br>
-            <a:r>
-              <a:rPr lang="en-US" b="1" dirty="0"/>
-              <a:t>link:</a:t>
-            </a:r>
-            <a:r>
-              <a:rPr lang="en-US" dirty="0"/>
-              <a:t> 	</a:t>
-            </a:r>
-            <a:r>
-              <a:rPr lang="en-US" dirty="0">
-                <a:hlinkClick r:id="rId2"/>
-              </a:rPr>
-              <a:t>https://github.com/physicell-training/04-PhysiCell-intro</a:t>
-            </a:r>
-            <a:endParaRPr lang="en-US" dirty="0"/>
-          </a:p>
-          <a:p>
-            <a:pPr marL="0" indent="0">
-              <a:buNone/>
-              <a:tabLst>
-                <a:tab pos="1828800" algn="l"/>
-              </a:tabLst>
-            </a:pPr>
-            <a:endParaRPr lang="en-US" dirty="0"/>
-          </a:p>
-          <a:p>
-            <a:pPr marL="0" indent="0">
-              <a:buNone/>
-              <a:tabLst>
-                <a:tab pos="1828800" algn="l"/>
-              </a:tabLst>
-            </a:pPr>
-            <a:r>
-              <a:rPr lang="en-US" b="1" dirty="0">
-                <a:solidFill>
-                  <a:schemeClr val="accent2">
-                    <a:lumMod val="75000"/>
-                  </a:schemeClr>
-                </a:solidFill>
-              </a:rPr>
-              <a:t>Intermediate:</a:t>
-            </a:r>
-            <a:r>
-              <a:rPr lang="en-US" dirty="0">
-                <a:solidFill>
-                  <a:schemeClr val="accent2">
-                    <a:lumMod val="75000"/>
-                  </a:schemeClr>
-                </a:solidFill>
-              </a:rPr>
-              <a:t> </a:t>
-            </a:r>
-            <a:r>
-              <a:rPr lang="en-US" dirty="0"/>
-              <a:t>	Please proceed to 4 (Introduction to PhysiCell)</a:t>
-            </a:r>
-            <a:br>
-              <a:rPr lang="en-US" dirty="0"/>
-            </a:br>
-            <a:r>
-              <a:rPr lang="en-US" b="1" dirty="0"/>
-              <a:t>link:</a:t>
-            </a:r>
-            <a:r>
-              <a:rPr lang="en-US" dirty="0"/>
-              <a:t> 	</a:t>
-            </a:r>
-            <a:r>
-              <a:rPr lang="en-US" dirty="0">
-                <a:hlinkClick r:id="rId2"/>
-              </a:rPr>
-              <a:t>https://github.com/physicell-training/04-PhysiCell-intro</a:t>
-            </a:r>
-            <a:endParaRPr lang="en-US" dirty="0"/>
-          </a:p>
-          <a:p>
-            <a:pPr marL="0" indent="0">
-              <a:buNone/>
-              <a:tabLst>
-                <a:tab pos="1828800" algn="l"/>
-              </a:tabLst>
-            </a:pPr>
-            <a:endParaRPr lang="en-US" dirty="0"/>
-          </a:p>
-          <a:p>
-            <a:pPr marL="0" indent="0">
-              <a:buNone/>
-              <a:tabLst>
-                <a:tab pos="1828800" algn="l"/>
-              </a:tabLst>
-            </a:pPr>
-            <a:r>
-              <a:rPr lang="en-US" b="1" dirty="0">
-                <a:solidFill>
-                  <a:srgbClr val="00B050"/>
-                </a:solidFill>
-              </a:rPr>
-              <a:t>Full training:</a:t>
-            </a:r>
-            <a:r>
-              <a:rPr lang="en-US" dirty="0"/>
-              <a:t> 	Please proceed to 3 (What is an agent-based model?)</a:t>
-            </a:r>
-            <a:br>
-              <a:rPr lang="en-US" dirty="0"/>
-            </a:br>
-            <a:r>
-              <a:rPr lang="en-US" b="1" dirty="0"/>
-              <a:t>link:</a:t>
-            </a:r>
-            <a:r>
-              <a:rPr lang="en-US" dirty="0"/>
-              <a:t> 	</a:t>
-            </a:r>
-            <a:r>
-              <a:rPr lang="en-US" dirty="0">
-                <a:hlinkClick r:id="rId3"/>
-              </a:rPr>
-              <a:t>https://github.com/physicell-training/03-What-is-ABM</a:t>
-            </a:r>
-            <a:endParaRPr lang="en-US" b="1" dirty="0"/>
-          </a:p>
-          <a:p>
-            <a:pPr marL="0" indent="0">
-              <a:buNone/>
-              <a:tabLst>
-                <a:tab pos="1828800" algn="l"/>
-              </a:tabLst>
-            </a:pPr>
-            <a:endParaRPr lang="en-US" b="1" dirty="0"/>
-          </a:p>
-          <a:p>
-            <a:pPr marL="0" indent="0">
-              <a:buNone/>
-              <a:tabLst>
-                <a:tab pos="1828800" algn="l"/>
-              </a:tabLst>
-            </a:pPr>
-            <a:r>
-              <a:rPr lang="en-US" b="1"/>
-              <a:t>More lessons: </a:t>
-            </a:r>
-            <a:r>
-              <a:rPr lang="en-US">
-                <a:hlinkClick r:id="rId4"/>
-              </a:rPr>
-              <a:t>https</a:t>
-            </a:r>
-            <a:r>
-              <a:rPr lang="en-US" dirty="0">
-                <a:hlinkClick r:id="rId4"/>
-              </a:rPr>
-              <a:t>://github.com/physicell-training/master-list</a:t>
-            </a:r>
-            <a:r>
-              <a:rPr lang="en-US" dirty="0"/>
-              <a:t> </a:t>
-            </a:r>
-          </a:p>
-        </p:txBody>
-      </p:sp>
+          <p:cNvPicPr>
+            <a:picLocks noChangeAspect="1"/>
+          </p:cNvPicPr>
+          <p:nvPr/>
+        </p:nvPicPr>
+        <p:blipFill>
+          <a:blip r:embed="rId2"/>
+          <a:stretch>
+            <a:fillRect/>
+          </a:stretch>
+        </p:blipFill>
+        <p:spPr>
+          <a:xfrm>
+            <a:off x="3657600" y="1114425"/>
+            <a:ext cx="5486400" cy="2914650"/>
+          </a:xfrm>
+          <a:prstGeom prst="rect">
+            <a:avLst/>
+          </a:prstGeom>
+        </p:spPr>
+      </p:pic>
     </p:spTree>
     <p:extLst>
       <p:ext uri="{BB962C8B-B14F-4D97-AF65-F5344CB8AC3E}">
-        <p14:creationId xmlns:p14="http://schemas.microsoft.com/office/powerpoint/2010/main" val="3379997800"/>
+        <p14:creationId xmlns:p14="http://schemas.microsoft.com/office/powerpoint/2010/main" val="3552811145"/>
       </p:ext>
     </p:extLst>
   </p:cSld>
@@ -4754,6 +5009,321 @@
       </p:grpSpPr>
       <p:sp>
         <p:nvSpPr>
+          <p:cNvPr id="4" name="Text Placeholder 3"/>
+          <p:cNvSpPr>
+            <a:spLocks noGrp="1"/>
+          </p:cNvSpPr>
+          <p:nvPr>
+            <p:ph type="body" sz="quarter" idx="10"/>
+          </p:nvPr>
+        </p:nvSpPr>
+        <p:spPr/>
+        <p:txBody>
+          <a:bodyPr/>
+          <a:lstStyle/>
+          <a:p>
+            <a:r>
+              <a:rPr lang="en-US" dirty="0"/>
+              <a:t>Live demo</a:t>
+            </a:r>
+          </a:p>
+        </p:txBody>
+      </p:sp>
+    </p:spTree>
+    <p:extLst>
+      <p:ext uri="{BB962C8B-B14F-4D97-AF65-F5344CB8AC3E}">
+        <p14:creationId xmlns:p14="http://schemas.microsoft.com/office/powerpoint/2010/main" val="513049127"/>
+      </p:ext>
+    </p:extLst>
+  </p:cSld>
+  <p:clrMapOvr>
+    <a:masterClrMapping/>
+  </p:clrMapOvr>
+</p:sld>
+</file>
+
+<file path=ppt/slides/slide15.xml><?xml version="1.0" encoding="utf-8"?>
+<p:sld xmlns:a="http://schemas.openxmlformats.org/drawingml/2006/main" xmlns:r="http://schemas.openxmlformats.org/officeDocument/2006/relationships" xmlns:p="http://schemas.openxmlformats.org/presentationml/2006/main">
+  <p:cSld>
+    <p:spTree>
+      <p:nvGrpSpPr>
+        <p:cNvPr id="1" name=""/>
+        <p:cNvGrpSpPr/>
+        <p:nvPr/>
+      </p:nvGrpSpPr>
+      <p:grpSpPr>
+        <a:xfrm>
+          <a:off x="0" y="0"/>
+          <a:ext cx="0" cy="0"/>
+          <a:chOff x="0" y="0"/>
+          <a:chExt cx="0" cy="0"/>
+        </a:xfrm>
+      </p:grpSpPr>
+      <p:sp>
+        <p:nvSpPr>
+          <p:cNvPr id="6" name="Title 5">
+            <a:extLst>
+              <a:ext uri="{FF2B5EF4-FFF2-40B4-BE49-F238E27FC236}">
+                <a16:creationId xmlns:a16="http://schemas.microsoft.com/office/drawing/2014/main" id="{C2B99157-DA0D-4841-A580-62EFB758DA8C}"/>
+              </a:ext>
+            </a:extLst>
+          </p:cNvPr>
+          <p:cNvSpPr>
+            <a:spLocks noGrp="1"/>
+          </p:cNvSpPr>
+          <p:nvPr>
+            <p:ph type="title"/>
+          </p:nvPr>
+        </p:nvSpPr>
+        <p:spPr/>
+        <p:txBody>
+          <a:bodyPr/>
+          <a:lstStyle/>
+          <a:p>
+            <a:r>
+              <a:rPr lang="en-US" dirty="0"/>
+              <a:t>Next steps</a:t>
+            </a:r>
+          </a:p>
+        </p:txBody>
+      </p:sp>
+      <p:sp>
+        <p:nvSpPr>
+          <p:cNvPr id="7" name="Content Placeholder 6">
+            <a:extLst>
+              <a:ext uri="{FF2B5EF4-FFF2-40B4-BE49-F238E27FC236}">
+                <a16:creationId xmlns:a16="http://schemas.microsoft.com/office/drawing/2014/main" id="{B3307B35-8D84-4BA2-8128-A71EB12F30AE}"/>
+              </a:ext>
+            </a:extLst>
+          </p:cNvPr>
+          <p:cNvSpPr>
+            <a:spLocks noGrp="1"/>
+          </p:cNvSpPr>
+          <p:nvPr>
+            <p:ph idx="1"/>
+          </p:nvPr>
+        </p:nvSpPr>
+        <p:spPr/>
+        <p:txBody>
+          <a:bodyPr>
+            <a:normAutofit lnSpcReduction="10000"/>
+          </a:bodyPr>
+          <a:lstStyle/>
+          <a:p>
+            <a:pPr marL="0" indent="0">
+              <a:buNone/>
+              <a:tabLst>
+                <a:tab pos="1828800" algn="l"/>
+              </a:tabLst>
+            </a:pPr>
+            <a:r>
+              <a:rPr lang="en-US" b="1" dirty="0">
+                <a:solidFill>
+                  <a:srgbClr val="FF0000"/>
+                </a:solidFill>
+              </a:rPr>
+              <a:t>Super fast:</a:t>
+            </a:r>
+            <a:r>
+              <a:rPr lang="en-US" dirty="0"/>
+              <a:t> 	Please proceed to 4 (Introduction to PhysiCell)</a:t>
+            </a:r>
+            <a:br>
+              <a:rPr lang="en-US" dirty="0"/>
+            </a:br>
+            <a:r>
+              <a:rPr lang="en-US" b="1" dirty="0"/>
+              <a:t>link:</a:t>
+            </a:r>
+            <a:r>
+              <a:rPr lang="en-US" dirty="0"/>
+              <a:t> 	</a:t>
+            </a:r>
+            <a:r>
+              <a:rPr lang="en-US" dirty="0">
+                <a:hlinkClick r:id="rId2"/>
+              </a:rPr>
+              <a:t>https://github.com/physicell-training/04-PhysiCell-intro</a:t>
+            </a:r>
+            <a:endParaRPr lang="en-US" dirty="0"/>
+          </a:p>
+          <a:p>
+            <a:pPr marL="0" indent="0">
+              <a:buNone/>
+              <a:tabLst>
+                <a:tab pos="1828800" algn="l"/>
+              </a:tabLst>
+            </a:pPr>
+            <a:endParaRPr lang="en-US" dirty="0"/>
+          </a:p>
+          <a:p>
+            <a:pPr marL="0" indent="0">
+              <a:buNone/>
+              <a:tabLst>
+                <a:tab pos="1828800" algn="l"/>
+              </a:tabLst>
+            </a:pPr>
+            <a:r>
+              <a:rPr lang="en-US" b="1" dirty="0">
+                <a:solidFill>
+                  <a:schemeClr val="accent2">
+                    <a:lumMod val="75000"/>
+                  </a:schemeClr>
+                </a:solidFill>
+              </a:rPr>
+              <a:t>Intermediate:</a:t>
+            </a:r>
+            <a:r>
+              <a:rPr lang="en-US" dirty="0">
+                <a:solidFill>
+                  <a:schemeClr val="accent2">
+                    <a:lumMod val="75000"/>
+                  </a:schemeClr>
+                </a:solidFill>
+              </a:rPr>
+              <a:t> </a:t>
+            </a:r>
+            <a:r>
+              <a:rPr lang="en-US" dirty="0"/>
+              <a:t>	Please proceed to 4 (Introduction to PhysiCell)</a:t>
+            </a:r>
+            <a:br>
+              <a:rPr lang="en-US" dirty="0"/>
+            </a:br>
+            <a:r>
+              <a:rPr lang="en-US" b="1" dirty="0"/>
+              <a:t>link:</a:t>
+            </a:r>
+            <a:r>
+              <a:rPr lang="en-US" dirty="0"/>
+              <a:t> 	</a:t>
+            </a:r>
+            <a:r>
+              <a:rPr lang="en-US" dirty="0">
+                <a:hlinkClick r:id="rId2"/>
+              </a:rPr>
+              <a:t>https://github.com/physicell-training/04-PhysiCell-intro</a:t>
+            </a:r>
+            <a:endParaRPr lang="en-US" dirty="0"/>
+          </a:p>
+          <a:p>
+            <a:pPr marL="0" indent="0">
+              <a:buNone/>
+              <a:tabLst>
+                <a:tab pos="1828800" algn="l"/>
+              </a:tabLst>
+            </a:pPr>
+            <a:endParaRPr lang="en-US" dirty="0"/>
+          </a:p>
+          <a:p>
+            <a:pPr marL="0" indent="0">
+              <a:buNone/>
+              <a:tabLst>
+                <a:tab pos="1828800" algn="l"/>
+              </a:tabLst>
+            </a:pPr>
+            <a:r>
+              <a:rPr lang="en-US" b="1" dirty="0">
+                <a:solidFill>
+                  <a:srgbClr val="00B050"/>
+                </a:solidFill>
+              </a:rPr>
+              <a:t>Full training:</a:t>
+            </a:r>
+            <a:r>
+              <a:rPr lang="en-US" dirty="0"/>
+              <a:t> 	Please proceed to 3 (What is an agent-based model?)</a:t>
+            </a:r>
+            <a:br>
+              <a:rPr lang="en-US" dirty="0"/>
+            </a:br>
+            <a:r>
+              <a:rPr lang="en-US" b="1" dirty="0"/>
+              <a:t>link:</a:t>
+            </a:r>
+            <a:r>
+              <a:rPr lang="en-US" dirty="0"/>
+              <a:t> 	</a:t>
+            </a:r>
+            <a:r>
+              <a:rPr lang="en-US" dirty="0">
+                <a:hlinkClick r:id="rId3"/>
+              </a:rPr>
+              <a:t>https://github.com/physicell-training/03-What-is-ABM</a:t>
+            </a:r>
+            <a:endParaRPr lang="en-US" b="1" dirty="0"/>
+          </a:p>
+          <a:p>
+            <a:pPr marL="0" indent="0">
+              <a:buNone/>
+              <a:tabLst>
+                <a:tab pos="1828800" algn="l"/>
+              </a:tabLst>
+            </a:pPr>
+            <a:endParaRPr lang="en-US" b="1" dirty="0"/>
+          </a:p>
+          <a:p>
+            <a:pPr marL="0" indent="0">
+              <a:buNone/>
+              <a:tabLst>
+                <a:tab pos="1828800" algn="l"/>
+              </a:tabLst>
+            </a:pPr>
+            <a:r>
+              <a:rPr lang="en-US" b="1"/>
+              <a:t>More lessons: </a:t>
+            </a:r>
+            <a:r>
+              <a:rPr lang="en-US">
+                <a:hlinkClick r:id="rId4"/>
+              </a:rPr>
+              <a:t>https</a:t>
+            </a:r>
+            <a:r>
+              <a:rPr lang="en-US" dirty="0">
+                <a:hlinkClick r:id="rId4"/>
+              </a:rPr>
+              <a:t>://github.com/physicell-training/master-list</a:t>
+            </a:r>
+            <a:r>
+              <a:rPr lang="en-US" dirty="0"/>
+              <a:t> </a:t>
+            </a:r>
+          </a:p>
+        </p:txBody>
+      </p:sp>
+    </p:spTree>
+    <p:extLst>
+      <p:ext uri="{BB962C8B-B14F-4D97-AF65-F5344CB8AC3E}">
+        <p14:creationId xmlns:p14="http://schemas.microsoft.com/office/powerpoint/2010/main" val="3379997800"/>
+      </p:ext>
+    </p:extLst>
+  </p:cSld>
+  <p:clrMapOvr>
+    <a:masterClrMapping/>
+  </p:clrMapOvr>
+</p:sld>
+</file>
+
+<file path=ppt/slides/slide16.xml><?xml version="1.0" encoding="utf-8"?>
+<p:sld xmlns:a="http://schemas.openxmlformats.org/drawingml/2006/main" xmlns:r="http://schemas.openxmlformats.org/officeDocument/2006/relationships" xmlns:p="http://schemas.openxmlformats.org/presentationml/2006/main">
+  <p:cSld>
+    <p:spTree>
+      <p:nvGrpSpPr>
+        <p:cNvPr id="1" name=""/>
+        <p:cNvGrpSpPr/>
+        <p:nvPr/>
+      </p:nvGrpSpPr>
+      <p:grpSpPr>
+        <a:xfrm>
+          <a:off x="0" y="0"/>
+          <a:ext cx="0" cy="0"/>
+          <a:chOff x="0" y="0"/>
+          <a:chExt cx="0" cy="0"/>
+        </a:xfrm>
+      </p:grpSpPr>
+      <p:sp>
+        <p:nvSpPr>
           <p:cNvPr id="2" name="Title 1">
             <a:extLst>
               <a:ext uri="{FF2B5EF4-FFF2-40B4-BE49-F238E27FC236}">
@@ -4868,7 +5438,11 @@
             </a:r>
             <a:r>
               <a:rPr lang="en-US" dirty="0"/>
-              <a:t>	Paul Macklin, others? </a:t>
+              <a:t>	Paul Macklin, Drew Willis</a:t>
+            </a:r>
+            <a:r>
+              <a:rPr lang="en-US" baseline="30000" dirty="0"/>
+              <a:t>*</a:t>
             </a:r>
           </a:p>
           <a:p>
@@ -4916,21 +5490,13 @@
             </a:r>
             <a:r>
               <a:rPr lang="en-US" dirty="0"/>
-              <a:t> </a:t>
-            </a:r>
-            <a:r>
-              <a:rPr lang="en-US"/>
-              <a:t>	</a:t>
-            </a:r>
-            <a:r>
-              <a:rPr lang="en-US">
+              <a:t> 	</a:t>
+            </a:r>
+            <a:r>
+              <a:rPr lang="en-US" dirty="0">
                 <a:hlinkClick r:id="rId2"/>
               </a:rPr>
-              <a:t>https://www.nanohub.org/tools/</a:t>
-            </a:r>
-            <a:r>
-              <a:rPr lang="en-US"/>
-              <a:t>??? </a:t>
+              <a:t>https://www.nanohub.org/tools/pc4biorobots</a:t>
             </a:r>
             <a:endParaRPr lang="en-US" dirty="0"/>
           </a:p>
@@ -5336,7 +5902,17 @@
           <a:p>
             <a:r>
               <a:rPr lang="en-US" dirty="0"/>
-              <a:t>These tutorials use cloud-hosted PhysiCell models on nanoHUB.org. </a:t>
+              <a:t>These tutorials use cloud-hosted PhysiCell models on </a:t>
+            </a:r>
+            <a:r>
+              <a:rPr lang="en-US" dirty="0">
+                <a:hlinkClick r:id="rId2"/>
+              </a:rPr>
+              <a:t>nanoHUB.org</a:t>
+            </a:r>
+            <a:r>
+              <a:rPr lang="en-US" dirty="0"/>
+              <a:t>. </a:t>
             </a:r>
           </a:p>
           <a:p>
@@ -5384,7 +5960,7 @@
             </a:r>
             <a:r>
               <a:rPr lang="en-US" dirty="0">
-                <a:hlinkClick r:id="rId2"/>
+                <a:hlinkClick r:id="rId3"/>
               </a:rPr>
               <a:t>https://nanohub.org/register</a:t>
             </a:r>
@@ -5576,7 +6152,7 @@
               <p:nvPr/>
             </p:nvPicPr>
             <p:blipFill>
-              <a:blip r:embed="rId3"/>
+              <a:blip r:embed="rId4"/>
               <a:stretch>
                 <a:fillRect/>
               </a:stretch>
@@ -5735,7 +6311,7 @@
               <p:nvPr/>
             </p:nvPicPr>
             <p:blipFill rotWithShape="1">
-              <a:blip r:embed="rId4"/>
+              <a:blip r:embed="rId5"/>
               <a:srcRect l="17578" r="21630"/>
               <a:stretch/>
             </p:blipFill>
@@ -5858,7 +6434,7 @@
               <p:nvPr/>
             </p:nvPicPr>
             <p:blipFill rotWithShape="1">
-              <a:blip r:embed="rId5"/>
+              <a:blip r:embed="rId6"/>
               <a:srcRect l="17577" r="21630"/>
               <a:stretch/>
             </p:blipFill>
@@ -6050,7 +6626,24 @@
             </a:r>
             <a:r>
               <a:rPr lang="en-US" dirty="0"/>
-              <a:t>: targeted cloud-hosted models designed to illustrate a core PhysiCell concept. </a:t>
+              <a:t>: </a:t>
+            </a:r>
+            <a:br>
+              <a:rPr lang="en-US" dirty="0"/>
+            </a:br>
+            <a:br>
+              <a:rPr lang="en-US" sz="900" dirty="0"/>
+            </a:br>
+            <a:r>
+              <a:rPr lang="en-US" dirty="0"/>
+              <a:t>	targeted cloud-hosted models designed to illustrate a core </a:t>
+            </a:r>
+            <a:br>
+              <a:rPr lang="en-US" dirty="0"/>
+            </a:br>
+            <a:r>
+              <a:rPr lang="en-US" dirty="0"/>
+              <a:t>	PhysiCell concept. </a:t>
             </a:r>
           </a:p>
           <a:p>
@@ -6119,7 +6712,13 @@
       </p:grpSpPr>
       <p:sp>
         <p:nvSpPr>
-          <p:cNvPr id="2" name="Title 1"/>
+          <p:cNvPr id="2" name="Title 1">
+            <a:extLst>
+              <a:ext uri="{FF2B5EF4-FFF2-40B4-BE49-F238E27FC236}">
+                <a16:creationId xmlns:a16="http://schemas.microsoft.com/office/drawing/2014/main" id="{FDE42816-D550-4734-9C40-2E41B3CF3C07}"/>
+              </a:ext>
+            </a:extLst>
+          </p:cNvPr>
           <p:cNvSpPr>
             <a:spLocks noGrp="1"/>
           </p:cNvSpPr>
@@ -6134,22 +6733,20 @@
           <a:p>
             <a:r>
               <a:rPr lang="en-US" dirty="0"/>
-              <a:t>Sample </a:t>
-            </a:r>
-            <a:r>
-              <a:rPr lang="en-US" dirty="0" err="1"/>
-              <a:t>nanoHUB</a:t>
-            </a:r>
-            <a:r>
-              <a:rPr lang="en-US" dirty="0"/>
-              <a:t> app: biorobots</a:t>
-            </a:r>
-          </a:p>
-        </p:txBody>
-      </p:sp>
-      <p:sp>
-        <p:nvSpPr>
-          <p:cNvPr id="3" name="Content Placeholder 2"/>
+              <a:t>Tools versus Apps</a:t>
+            </a:r>
+          </a:p>
+        </p:txBody>
+      </p:sp>
+      <p:sp>
+        <p:nvSpPr>
+          <p:cNvPr id="3" name="Content Placeholder 2">
+            <a:extLst>
+              <a:ext uri="{FF2B5EF4-FFF2-40B4-BE49-F238E27FC236}">
+                <a16:creationId xmlns:a16="http://schemas.microsoft.com/office/drawing/2014/main" id="{4991A27B-79CB-443A-A840-FDD7BD663996}"/>
+              </a:ext>
+            </a:extLst>
+          </p:cNvPr>
           <p:cNvSpPr>
             <a:spLocks noGrp="1"/>
           </p:cNvSpPr>
@@ -6159,81 +6756,116 @@
         </p:nvSpPr>
         <p:spPr/>
         <p:txBody>
-          <a:bodyPr/>
+          <a:bodyPr>
+            <a:normAutofit fontScale="92500"/>
+          </a:bodyPr>
           <a:lstStyle/>
           <a:p>
             <a:r>
               <a:rPr lang="en-US" dirty="0"/>
-              <a:t>This model explores how engineered cells could be used as a cargo delivery system. </a:t>
-            </a:r>
-          </a:p>
-          <a:p>
+              <a:t>After considerable debate, the </a:t>
+            </a:r>
+            <a:r>
+              <a:rPr lang="en-US" dirty="0" err="1"/>
+              <a:t>nanoHUB</a:t>
+            </a:r>
+            <a:r>
+              <a:rPr lang="en-US" dirty="0"/>
+              <a:t> community arrived at these definitions: </a:t>
+            </a:r>
+          </a:p>
+          <a:p>
+            <a:endParaRPr lang="en-US" sz="900" dirty="0"/>
+          </a:p>
+          <a:p>
+            <a:pPr lvl="1"/>
+            <a:r>
+              <a:rPr lang="en-US" dirty="0"/>
+              <a:t>A </a:t>
+            </a:r>
             <a:r>
               <a:rPr lang="en-US" b="1" dirty="0"/>
-              <a:t>Director</a:t>
-            </a:r>
-            <a:r>
-              <a:rPr lang="en-US" dirty="0"/>
-              <a:t> cells:</a:t>
-            </a:r>
-          </a:p>
-          <a:p>
+              <a:t>tool </a:t>
+            </a:r>
+            <a:r>
+              <a:rPr lang="en-US" dirty="0"/>
+              <a:t>is an application with broader feature sets and less constrained use cases. A tool tends to require more extensive training to understand the full feature set. </a:t>
+            </a:r>
+          </a:p>
+          <a:p>
+            <a:pPr lvl="2"/>
+            <a:r>
+              <a:rPr lang="en-US" dirty="0"/>
+              <a:t>Future PhysiCell-powered </a:t>
+            </a:r>
+            <a:r>
+              <a:rPr lang="en-US" dirty="0" err="1"/>
+              <a:t>nanoHUB</a:t>
+            </a:r>
+            <a:r>
+              <a:rPr lang="en-US" dirty="0"/>
+              <a:t> resources may be tools if they allow general-purpose modeling using PhysiCell as the engine. </a:t>
+            </a:r>
+          </a:p>
+          <a:p>
+            <a:pPr lvl="1"/>
+            <a:endParaRPr lang="en-US" sz="900" dirty="0"/>
+          </a:p>
+          <a:p>
+            <a:pPr lvl="1"/>
+            <a:r>
+              <a:rPr lang="en-US" dirty="0"/>
+              <a:t>An </a:t>
+            </a:r>
             <a:r>
               <a:rPr lang="en-US" b="1" dirty="0"/>
-              <a:t>Cargo </a:t>
-            </a:r>
-            <a:r>
-              <a:rPr lang="en-US" dirty="0"/>
-              <a:t>cells:</a:t>
-            </a:r>
-          </a:p>
-          <a:p>
-            <a:endParaRPr lang="en-US" b="1" dirty="0"/>
-          </a:p>
-          <a:p>
-            <a:r>
-              <a:rPr lang="en-US" b="1" dirty="0"/>
-              <a:t>Worker </a:t>
-            </a:r>
-            <a:r>
-              <a:rPr lang="en-US" dirty="0"/>
-              <a:t>cells: </a:t>
-            </a:r>
-            <a:endParaRPr lang="en-US" b="1" dirty="0"/>
-          </a:p>
-          <a:p>
+              <a:t>app </a:t>
+            </a:r>
+            <a:r>
+              <a:rPr lang="en-US" dirty="0"/>
+              <a:t>is purpose-driven model or constrained tool with relatively constrained and focused use cases. Users can generally learn an app in one or two unguided sessions.</a:t>
+            </a:r>
+          </a:p>
+          <a:p>
+            <a:pPr lvl="2"/>
+            <a:r>
+              <a:rPr lang="en-US" dirty="0"/>
+              <a:t>Most PhysiCell-powered </a:t>
+            </a:r>
+            <a:r>
+              <a:rPr lang="en-US" dirty="0" err="1"/>
+              <a:t>nanoHUB</a:t>
+            </a:r>
+            <a:r>
+              <a:rPr lang="en-US" dirty="0"/>
+              <a:t> resources are apps. </a:t>
+            </a:r>
+            <a:endParaRPr lang="en-US" sz="800" dirty="0"/>
+          </a:p>
+          <a:p>
+            <a:pPr lvl="1"/>
             <a:endParaRPr lang="en-US" dirty="0"/>
           </a:p>
           <a:p>
             <a:r>
               <a:rPr lang="en-US" dirty="0"/>
-              <a:t> (directors):</a:t>
-            </a:r>
-          </a:p>
-          <a:p>
-            <a:r>
-              <a:rPr lang="en-US" dirty="0"/>
-              <a:t>Blue cells (cargo):</a:t>
-            </a:r>
-          </a:p>
-          <a:p>
-            <a:r>
-              <a:rPr lang="en-US" dirty="0"/>
-              <a:t>Red cells (workers):</a:t>
-            </a:r>
-          </a:p>
-          <a:p>
-            <a:endParaRPr lang="en-US" dirty="0"/>
-          </a:p>
-          <a:p>
-            <a:endParaRPr lang="en-US" dirty="0"/>
+              <a:t>There may be blurred distinctions between tools and apps in some cases, such as PhysiCell apps that can simulate a broad variety of </a:t>
+            </a:r>
+            <a:r>
+              <a:rPr lang="en-US" dirty="0" err="1"/>
+              <a:t>nanotherapies</a:t>
+            </a:r>
+            <a:r>
+              <a:rPr lang="en-US" dirty="0"/>
+              <a:t>. </a:t>
+            </a:r>
           </a:p>
         </p:txBody>
       </p:sp>
     </p:spTree>
     <p:extLst>
       <p:ext uri="{BB962C8B-B14F-4D97-AF65-F5344CB8AC3E}">
-        <p14:creationId xmlns:p14="http://schemas.microsoft.com/office/powerpoint/2010/main" val="1057953166"/>
+        <p14:creationId xmlns:p14="http://schemas.microsoft.com/office/powerpoint/2010/main" val="2656098589"/>
       </p:ext>
     </p:extLst>
   </p:cSld>
@@ -6277,7 +6909,15 @@
           <a:p>
             <a:r>
               <a:rPr lang="en-US" dirty="0"/>
-              <a:t>Splash screen and launching tool</a:t>
+              <a:t>Sample </a:t>
+            </a:r>
+            <a:r>
+              <a:rPr lang="en-US" dirty="0" err="1"/>
+              <a:t>nanoHUB</a:t>
+            </a:r>
+            <a:r>
+              <a:rPr lang="en-US" dirty="0"/>
+              <a:t> app: biorobots</a:t>
             </a:r>
           </a:p>
         </p:txBody>
@@ -6289,22 +6929,110 @@
             <a:spLocks noGrp="1"/>
           </p:cNvSpPr>
           <p:nvPr>
-            <p:ph sz="half" idx="1"/>
+            <p:ph idx="1"/>
           </p:nvPr>
         </p:nvSpPr>
         <p:spPr/>
         <p:txBody>
-          <a:bodyPr/>
+          <a:bodyPr>
+            <a:normAutofit/>
+          </a:bodyPr>
           <a:lstStyle/>
           <a:p>
-            <a:endParaRPr lang="en-US" dirty="0"/>
+            <a:r>
+              <a:rPr lang="en-US" dirty="0"/>
+              <a:t>This sample model explores how engineered cells could be used as a </a:t>
+            </a:r>
+            <a:r>
+              <a:rPr lang="en-US" b="1" dirty="0"/>
+              <a:t>multicellular cargo delivery system.</a:t>
+            </a:r>
+            <a:r>
+              <a:rPr lang="en-US" dirty="0"/>
+              <a:t> </a:t>
+            </a:r>
+          </a:p>
+          <a:p>
+            <a:r>
+              <a:rPr lang="en-US" b="1" dirty="0">
+                <a:solidFill>
+                  <a:srgbClr val="00B050"/>
+                </a:solidFill>
+              </a:rPr>
+              <a:t>Director</a:t>
+            </a:r>
+            <a:r>
+              <a:rPr lang="en-US" dirty="0"/>
+              <a:t> cells:	Release a chemoattractant to guide delivery of cargo</a:t>
+            </a:r>
+          </a:p>
+          <a:p>
+            <a:r>
+              <a:rPr lang="en-US" b="1" dirty="0">
+                <a:solidFill>
+                  <a:srgbClr val="0000FF"/>
+                </a:solidFill>
+              </a:rPr>
+              <a:t>Cargo</a:t>
+            </a:r>
+            <a:r>
+              <a:rPr lang="en-US" b="1" dirty="0"/>
+              <a:t> </a:t>
+            </a:r>
+            <a:r>
+              <a:rPr lang="en-US" dirty="0"/>
+              <a:t>cells:	Release a chemoattractant to guide worker cells until 			they are attached. </a:t>
+            </a:r>
+            <a:endParaRPr lang="en-US" b="1" dirty="0"/>
+          </a:p>
+          <a:p>
+            <a:r>
+              <a:rPr lang="en-US" b="1" dirty="0">
+                <a:solidFill>
+                  <a:srgbClr val="FF0000"/>
+                </a:solidFill>
+              </a:rPr>
+              <a:t>Worker</a:t>
+            </a:r>
+            <a:r>
+              <a:rPr lang="en-US" b="1" dirty="0"/>
+              <a:t> </a:t>
+            </a:r>
+            <a:r>
+              <a:rPr lang="en-US" dirty="0"/>
+              <a:t>cells: 	When unattached to cargo, use chemotaxis to seek</a:t>
+            </a:r>
+            <a:br>
+              <a:rPr lang="en-US" dirty="0"/>
+            </a:br>
+            <a:r>
+              <a:rPr lang="en-US" dirty="0"/>
+              <a:t>			cargo cells and adhere to them.</a:t>
+            </a:r>
+            <a:br>
+              <a:rPr lang="en-US" dirty="0"/>
+            </a:br>
+            <a:br>
+              <a:rPr lang="en-US" sz="1000" dirty="0"/>
+            </a:br>
+            <a:r>
+              <a:rPr lang="en-US" dirty="0"/>
+              <a:t>			When attached to cargo, use chemotaxis to drag cargo</a:t>
+            </a:r>
+            <a:br>
+              <a:rPr lang="en-US" dirty="0"/>
+            </a:br>
+            <a:r>
+              <a:rPr lang="en-US" dirty="0"/>
+              <a:t>			towards directors for delivery. </a:t>
+            </a:r>
           </a:p>
         </p:txBody>
       </p:sp>
     </p:spTree>
     <p:extLst>
       <p:ext uri="{BB962C8B-B14F-4D97-AF65-F5344CB8AC3E}">
-        <p14:creationId xmlns:p14="http://schemas.microsoft.com/office/powerpoint/2010/main" val="3853657343"/>
+        <p14:creationId xmlns:p14="http://schemas.microsoft.com/office/powerpoint/2010/main" val="1057953166"/>
       </p:ext>
     </p:extLst>
   </p:cSld>
@@ -6348,7 +7076,7 @@
           <a:p>
             <a:r>
               <a:rPr lang="en-US" dirty="0"/>
-              <a:t>About tab</a:t>
+              <a:t>Splash screen and launching the tool</a:t>
             </a:r>
           </a:p>
         </p:txBody>
@@ -6368,6 +7096,163 @@
           <a:bodyPr/>
           <a:lstStyle/>
           <a:p>
+            <a:r>
+              <a:rPr lang="en-US" dirty="0"/>
+              <a:t>Each PhysiCell-powered </a:t>
+            </a:r>
+            <a:r>
+              <a:rPr lang="en-US" dirty="0" err="1"/>
+              <a:t>nanoHUB</a:t>
+            </a:r>
+            <a:r>
+              <a:rPr lang="en-US" dirty="0"/>
+              <a:t> app has a splash page:</a:t>
+            </a:r>
+          </a:p>
+          <a:p>
+            <a:pPr marL="0" indent="0">
+              <a:buNone/>
+            </a:pPr>
+            <a:endParaRPr lang="en-US" sz="1000" dirty="0"/>
+          </a:p>
+          <a:p>
+            <a:pPr lvl="1"/>
+            <a:r>
+              <a:rPr lang="en-US" dirty="0"/>
+              <a:t>Background information on the tool and model</a:t>
+            </a:r>
+          </a:p>
+          <a:p>
+            <a:pPr lvl="1"/>
+            <a:r>
+              <a:rPr lang="en-US" dirty="0"/>
+              <a:t>Use metrics</a:t>
+            </a:r>
+          </a:p>
+          <a:p>
+            <a:pPr lvl="1"/>
+            <a:r>
+              <a:rPr lang="en-US" dirty="0"/>
+              <a:t>Citation information</a:t>
+            </a:r>
+          </a:p>
+          <a:p>
+            <a:pPr lvl="1"/>
+            <a:r>
+              <a:rPr lang="en-US" dirty="0"/>
+              <a:t>A </a:t>
+            </a:r>
+            <a:r>
+              <a:rPr lang="en-US" dirty="0">
+                <a:highlight>
+                  <a:srgbClr val="61899E"/>
+                </a:highlight>
+              </a:rPr>
+              <a:t> </a:t>
+            </a:r>
+            <a:r>
+              <a:rPr lang="en-US" b="1" dirty="0">
+                <a:solidFill>
+                  <a:schemeClr val="bg1"/>
+                </a:solidFill>
+                <a:highlight>
+                  <a:srgbClr val="61899E"/>
+                </a:highlight>
+              </a:rPr>
+              <a:t>LAUNCH TOOL </a:t>
+            </a:r>
+            <a:r>
+              <a:rPr lang="en-US" b="1" dirty="0"/>
+              <a:t> </a:t>
+            </a:r>
+            <a:r>
+              <a:rPr lang="en-US" dirty="0"/>
+              <a:t>button. Click this! </a:t>
+            </a:r>
+          </a:p>
+          <a:p>
+            <a:endParaRPr lang="en-US" dirty="0"/>
+          </a:p>
+        </p:txBody>
+      </p:sp>
+      <p:pic>
+        <p:nvPicPr>
+          <p:cNvPr id="4" name="Picture 3">
+            <a:extLst>
+              <a:ext uri="{FF2B5EF4-FFF2-40B4-BE49-F238E27FC236}">
+                <a16:creationId xmlns:a16="http://schemas.microsoft.com/office/drawing/2014/main" id="{0197D83C-94E2-4846-B473-82788E9FC9BC}"/>
+              </a:ext>
+            </a:extLst>
+          </p:cNvPr>
+          <p:cNvPicPr>
+            <a:picLocks noChangeAspect="1"/>
+          </p:cNvPicPr>
+          <p:nvPr/>
+        </p:nvPicPr>
+        <p:blipFill>
+          <a:blip r:embed="rId2"/>
+          <a:stretch>
+            <a:fillRect/>
+          </a:stretch>
+        </p:blipFill>
+        <p:spPr>
+          <a:xfrm>
+            <a:off x="3657600" y="1114425"/>
+            <a:ext cx="5486400" cy="2914650"/>
+          </a:xfrm>
+          <a:prstGeom prst="rect">
+            <a:avLst/>
+          </a:prstGeom>
+        </p:spPr>
+      </p:pic>
+      <p:sp>
+        <p:nvSpPr>
+          <p:cNvPr id="5" name="Flowchart: Alternate Process 4">
+            <a:extLst>
+              <a:ext uri="{FF2B5EF4-FFF2-40B4-BE49-F238E27FC236}">
+                <a16:creationId xmlns:a16="http://schemas.microsoft.com/office/drawing/2014/main" id="{1400D25C-BCF2-4B05-86A7-D2BA84073280}"/>
+              </a:ext>
+            </a:extLst>
+          </p:cNvPr>
+          <p:cNvSpPr/>
+          <p:nvPr/>
+        </p:nvSpPr>
+        <p:spPr>
+          <a:xfrm>
+            <a:off x="6100763" y="2226429"/>
+            <a:ext cx="1178718" cy="379612"/>
+          </a:xfrm>
+          <a:prstGeom prst="flowChartAlternateProcess">
+            <a:avLst/>
+          </a:prstGeom>
+          <a:noFill/>
+          <a:ln w="38100">
+            <a:solidFill>
+              <a:srgbClr val="FF0000"/>
+            </a:solidFill>
+          </a:ln>
+        </p:spPr>
+        <p:style>
+          <a:lnRef idx="2">
+            <a:schemeClr val="accent1">
+              <a:shade val="50000"/>
+            </a:schemeClr>
+          </a:lnRef>
+          <a:fillRef idx="1">
+            <a:schemeClr val="accent1"/>
+          </a:fillRef>
+          <a:effectRef idx="0">
+            <a:schemeClr val="accent1"/>
+          </a:effectRef>
+          <a:fontRef idx="minor">
+            <a:schemeClr val="lt1"/>
+          </a:fontRef>
+        </p:style>
+        <p:txBody>
+          <a:bodyPr rtlCol="0" anchor="ctr"/>
+          <a:lstStyle/>
+          <a:p>
+            <a:pPr algn="ctr"/>
             <a:endParaRPr lang="en-US" dirty="0"/>
           </a:p>
         </p:txBody>
@@ -6375,7 +7260,7 @@
     </p:spTree>
     <p:extLst>
       <p:ext uri="{BB962C8B-B14F-4D97-AF65-F5344CB8AC3E}">
-        <p14:creationId xmlns:p14="http://schemas.microsoft.com/office/powerpoint/2010/main" val="1779874216"/>
+        <p14:creationId xmlns:p14="http://schemas.microsoft.com/office/powerpoint/2010/main" val="3853657343"/>
       </p:ext>
     </p:extLst>
   </p:cSld>
@@ -6418,19 +7303,21 @@
           <a:lstStyle/>
           <a:p>
             <a:r>
-              <a:rPr lang="en-US" dirty="0" err="1"/>
-              <a:t>Config</a:t>
-            </a:r>
-            <a:r>
-              <a:rPr lang="en-US" dirty="0"/>
-              <a:t> basics</a:t>
-            </a:r>
-          </a:p>
-        </p:txBody>
-      </p:sp>
-      <p:sp>
-        <p:nvSpPr>
-          <p:cNvPr id="3" name="Content Placeholder 2"/>
+              <a:rPr lang="en-US" dirty="0"/>
+              <a:t>About tab</a:t>
+            </a:r>
+          </a:p>
+        </p:txBody>
+      </p:sp>
+      <p:sp>
+        <p:nvSpPr>
+          <p:cNvPr id="4" name="Content Placeholder 3">
+            <a:extLst>
+              <a:ext uri="{FF2B5EF4-FFF2-40B4-BE49-F238E27FC236}">
+                <a16:creationId xmlns:a16="http://schemas.microsoft.com/office/drawing/2014/main" id="{5114F509-A06D-4DA1-A31D-AF87141DC010}"/>
+              </a:ext>
+            </a:extLst>
+          </p:cNvPr>
           <p:cNvSpPr>
             <a:spLocks noGrp="1"/>
           </p:cNvSpPr>
@@ -6440,17 +7327,98 @@
         </p:nvSpPr>
         <p:spPr/>
         <p:txBody>
-          <a:bodyPr/>
+          <a:bodyPr>
+            <a:normAutofit lnSpcReduction="10000"/>
+          </a:bodyPr>
           <a:lstStyle/>
           <a:p>
+            <a:r>
+              <a:rPr lang="en-US" dirty="0"/>
+              <a:t>The </a:t>
+            </a:r>
+            <a:r>
+              <a:rPr lang="en-US" b="1" dirty="0"/>
+              <a:t>about</a:t>
+            </a:r>
+            <a:r>
+              <a:rPr lang="en-US" dirty="0"/>
+              <a:t> tab gives </a:t>
+            </a:r>
+            <a:r>
+              <a:rPr lang="en-US" i="1" dirty="0"/>
+              <a:t>in-app </a:t>
+            </a:r>
+            <a:r>
+              <a:rPr lang="en-US" dirty="0"/>
+              <a:t>documentation about the mathematics of the model:</a:t>
+            </a:r>
+          </a:p>
+          <a:p>
+            <a:pPr lvl="1"/>
+            <a:r>
+              <a:rPr lang="en-US" dirty="0"/>
+              <a:t>background</a:t>
+            </a:r>
+          </a:p>
+          <a:p>
+            <a:pPr lvl="1"/>
+            <a:r>
+              <a:rPr lang="en-US" dirty="0"/>
+              <a:t>diffusing substrates</a:t>
+            </a:r>
+          </a:p>
+          <a:p>
+            <a:pPr lvl="1"/>
+            <a:r>
+              <a:rPr lang="en-US" dirty="0"/>
+              <a:t>key cell types and behaviors</a:t>
+            </a:r>
+          </a:p>
+          <a:p>
             <a:endParaRPr lang="en-US" dirty="0"/>
           </a:p>
-        </p:txBody>
-      </p:sp>
+          <a:p>
+            <a:r>
+              <a:rPr lang="en-US" dirty="0"/>
+              <a:t>This tab also describes the main user parameters of the model. </a:t>
+            </a:r>
+          </a:p>
+        </p:txBody>
+      </p:sp>
+      <p:pic>
+        <p:nvPicPr>
+          <p:cNvPr id="5" name="Picture 4">
+            <a:extLst>
+              <a:ext uri="{FF2B5EF4-FFF2-40B4-BE49-F238E27FC236}">
+                <a16:creationId xmlns:a16="http://schemas.microsoft.com/office/drawing/2014/main" id="{2237C726-6CB0-429F-AF12-99028C6FC6DC}"/>
+              </a:ext>
+            </a:extLst>
+          </p:cNvPr>
+          <p:cNvPicPr>
+            <a:picLocks noChangeAspect="1"/>
+          </p:cNvPicPr>
+          <p:nvPr/>
+        </p:nvPicPr>
+        <p:blipFill>
+          <a:blip r:embed="rId2"/>
+          <a:stretch>
+            <a:fillRect/>
+          </a:stretch>
+        </p:blipFill>
+        <p:spPr>
+          <a:xfrm>
+            <a:off x="3657600" y="1114425"/>
+            <a:ext cx="5486400" cy="2914650"/>
+          </a:xfrm>
+          <a:prstGeom prst="rect">
+            <a:avLst/>
+          </a:prstGeom>
+        </p:spPr>
+      </p:pic>
     </p:spTree>
     <p:extLst>
       <p:ext uri="{BB962C8B-B14F-4D97-AF65-F5344CB8AC3E}">
-        <p14:creationId xmlns:p14="http://schemas.microsoft.com/office/powerpoint/2010/main" val="2202537476"/>
+        <p14:creationId xmlns:p14="http://schemas.microsoft.com/office/powerpoint/2010/main" val="1779874216"/>
       </p:ext>
     </p:extLst>
   </p:cSld>
@@ -6493,15 +7461,25 @@
           <a:lstStyle/>
           <a:p>
             <a:r>
-              <a:rPr lang="en-US" dirty="0"/>
-              <a:t>User parameters</a:t>
-            </a:r>
-          </a:p>
-        </p:txBody>
-      </p:sp>
-      <p:sp>
-        <p:nvSpPr>
-          <p:cNvPr id="3" name="Content Placeholder 2"/>
+              <a:rPr lang="en-US" dirty="0" err="1"/>
+              <a:t>Config</a:t>
+            </a:r>
+            <a:r>
+              <a:rPr lang="en-US" dirty="0"/>
+              <a:t> basics</a:t>
+            </a:r>
+          </a:p>
+        </p:txBody>
+      </p:sp>
+      <p:sp>
+        <p:nvSpPr>
+          <p:cNvPr id="4" name="Content Placeholder 3">
+            <a:extLst>
+              <a:ext uri="{FF2B5EF4-FFF2-40B4-BE49-F238E27FC236}">
+                <a16:creationId xmlns:a16="http://schemas.microsoft.com/office/drawing/2014/main" id="{52C549AD-6B00-453B-B67B-7B0268E2E55B}"/>
+              </a:ext>
+            </a:extLst>
+          </p:cNvPr>
           <p:cNvSpPr>
             <a:spLocks noGrp="1"/>
           </p:cNvSpPr>
@@ -6511,17 +7489,110 @@
         </p:nvSpPr>
         <p:spPr/>
         <p:txBody>
-          <a:bodyPr/>
+          <a:bodyPr>
+            <a:normAutofit lnSpcReduction="10000"/>
+          </a:bodyPr>
           <a:lstStyle/>
           <a:p>
-            <a:endParaRPr lang="en-US" dirty="0"/>
-          </a:p>
-        </p:txBody>
-      </p:sp>
+            <a:r>
+              <a:rPr lang="en-US" dirty="0"/>
+              <a:t>The </a:t>
+            </a:r>
+            <a:r>
+              <a:rPr lang="en-US" b="1" dirty="0"/>
+              <a:t>config basics </a:t>
+            </a:r>
+            <a:r>
+              <a:rPr lang="en-US" dirty="0"/>
+              <a:t>tab lets you set up the simulation:</a:t>
+            </a:r>
+          </a:p>
+          <a:p>
+            <a:pPr lvl="1"/>
+            <a:r>
+              <a:rPr lang="en-US" dirty="0"/>
+              <a:t>Set the domain size and spatial resolution</a:t>
+            </a:r>
+          </a:p>
+          <a:p>
+            <a:pPr lvl="2"/>
+            <a:r>
+              <a:rPr lang="en-US" dirty="0"/>
+              <a:t>Might be disabled in some apps.</a:t>
+            </a:r>
+          </a:p>
+          <a:p>
+            <a:pPr lvl="1"/>
+            <a:r>
+              <a:rPr lang="en-US" dirty="0"/>
+              <a:t>Set the final simulation time</a:t>
+            </a:r>
+          </a:p>
+          <a:p>
+            <a:pPr lvl="1"/>
+            <a:r>
+              <a:rPr lang="en-US" dirty="0"/>
+              <a:t>Set the number of threads (capped at 4 on </a:t>
+            </a:r>
+            <a:r>
+              <a:rPr lang="en-US" dirty="0" err="1"/>
+              <a:t>nanoHUB</a:t>
+            </a:r>
+            <a:r>
+              <a:rPr lang="en-US" dirty="0"/>
+              <a:t>)</a:t>
+            </a:r>
+          </a:p>
+          <a:p>
+            <a:pPr lvl="1"/>
+            <a:r>
+              <a:rPr lang="en-US" dirty="0"/>
+              <a:t>Specify how often to save cell plots</a:t>
+            </a:r>
+          </a:p>
+          <a:p>
+            <a:pPr lvl="1"/>
+            <a:r>
+              <a:rPr lang="en-US" dirty="0"/>
+              <a:t>Specify how often to save diffusing substrate data</a:t>
+            </a:r>
+          </a:p>
+        </p:txBody>
+      </p:sp>
+      <p:pic>
+        <p:nvPicPr>
+          <p:cNvPr id="3" name="Picture 2">
+            <a:extLst>
+              <a:ext uri="{FF2B5EF4-FFF2-40B4-BE49-F238E27FC236}">
+                <a16:creationId xmlns:a16="http://schemas.microsoft.com/office/drawing/2014/main" id="{7EDBDECC-E661-4C04-A4E9-E75C35036952}"/>
+              </a:ext>
+            </a:extLst>
+          </p:cNvPr>
+          <p:cNvPicPr>
+            <a:picLocks noChangeAspect="1"/>
+          </p:cNvPicPr>
+          <p:nvPr/>
+        </p:nvPicPr>
+        <p:blipFill>
+          <a:blip r:embed="rId2"/>
+          <a:stretch>
+            <a:fillRect/>
+          </a:stretch>
+        </p:blipFill>
+        <p:spPr>
+          <a:xfrm>
+            <a:off x="3657600" y="1114425"/>
+            <a:ext cx="5486400" cy="2914650"/>
+          </a:xfrm>
+          <a:prstGeom prst="rect">
+            <a:avLst/>
+          </a:prstGeom>
+        </p:spPr>
+      </p:pic>
     </p:spTree>
     <p:extLst>
       <p:ext uri="{BB962C8B-B14F-4D97-AF65-F5344CB8AC3E}">
-        <p14:creationId xmlns:p14="http://schemas.microsoft.com/office/powerpoint/2010/main" val="1677270628"/>
+        <p14:creationId xmlns:p14="http://schemas.microsoft.com/office/powerpoint/2010/main" val="2202537476"/>
       </p:ext>
     </p:extLst>
   </p:cSld>
@@ -6565,14 +7636,20 @@
           <a:p>
             <a:r>
               <a:rPr lang="en-US" dirty="0"/>
-              <a:t>Out: Cell Plots</a:t>
-            </a:r>
-          </a:p>
-        </p:txBody>
-      </p:sp>
-      <p:sp>
-        <p:nvSpPr>
-          <p:cNvPr id="3" name="Content Placeholder 2"/>
+              <a:t>Microenvironment</a:t>
+            </a:r>
+          </a:p>
+        </p:txBody>
+      </p:sp>
+      <p:sp>
+        <p:nvSpPr>
+          <p:cNvPr id="4" name="Content Placeholder 3">
+            <a:extLst>
+              <a:ext uri="{FF2B5EF4-FFF2-40B4-BE49-F238E27FC236}">
+                <a16:creationId xmlns:a16="http://schemas.microsoft.com/office/drawing/2014/main" id="{52C549AD-6B00-453B-B67B-7B0268E2E55B}"/>
+              </a:ext>
+            </a:extLst>
+          </p:cNvPr>
           <p:cNvSpPr>
             <a:spLocks noGrp="1"/>
           </p:cNvSpPr>
@@ -6582,17 +7659,152 @@
         </p:nvSpPr>
         <p:spPr/>
         <p:txBody>
-          <a:bodyPr/>
+          <a:bodyPr>
+            <a:normAutofit fontScale="85000" lnSpcReduction="20000"/>
+          </a:bodyPr>
           <a:lstStyle/>
           <a:p>
-            <a:endParaRPr lang="en-US" dirty="0"/>
-          </a:p>
-        </p:txBody>
-      </p:sp>
+            <a:r>
+              <a:rPr lang="en-US" dirty="0"/>
+              <a:t>The </a:t>
+            </a:r>
+            <a:r>
+              <a:rPr lang="en-US" b="1" dirty="0"/>
+              <a:t>microenvironment</a:t>
+            </a:r>
+            <a:r>
+              <a:rPr lang="en-US" dirty="0"/>
+              <a:t> tab lets you set diffusion options: </a:t>
+            </a:r>
+          </a:p>
+          <a:p>
+            <a:pPr lvl="1"/>
+            <a:r>
+              <a:rPr lang="en-US" dirty="0"/>
+              <a:t>For each substrate, set:</a:t>
+            </a:r>
+          </a:p>
+          <a:p>
+            <a:pPr lvl="2"/>
+            <a:r>
+              <a:rPr lang="en-US" dirty="0"/>
+              <a:t>diffusion coefficient</a:t>
+            </a:r>
+          </a:p>
+          <a:p>
+            <a:pPr lvl="2"/>
+            <a:r>
+              <a:rPr lang="en-US" dirty="0"/>
+              <a:t>decay rate </a:t>
+            </a:r>
+          </a:p>
+          <a:p>
+            <a:pPr lvl="2"/>
+            <a:r>
+              <a:rPr lang="en-US" dirty="0"/>
+              <a:t>initial condition</a:t>
+            </a:r>
+          </a:p>
+          <a:p>
+            <a:pPr lvl="3"/>
+            <a:r>
+              <a:rPr lang="en-US" dirty="0"/>
+              <a:t>applied uniformly throughout the domain</a:t>
+            </a:r>
+          </a:p>
+          <a:p>
+            <a:pPr lvl="2"/>
+            <a:r>
+              <a:rPr lang="en-US" dirty="0"/>
+              <a:t>Dirichlet boundary condition</a:t>
+            </a:r>
+          </a:p>
+          <a:p>
+            <a:pPr lvl="3"/>
+            <a:r>
+              <a:rPr lang="en-US" dirty="0"/>
+              <a:t>applied uniformly to the boundary </a:t>
+            </a:r>
+          </a:p>
+          <a:p>
+            <a:pPr lvl="3"/>
+            <a:r>
+              <a:rPr lang="en-US" dirty="0"/>
+              <a:t>"uncheck" to disable this and revert to Neumann (zero flux) conditions</a:t>
+            </a:r>
+          </a:p>
+          <a:p>
+            <a:pPr lvl="1">
+              <a:spcBef>
+                <a:spcPts val="600"/>
+              </a:spcBef>
+            </a:pPr>
+            <a:r>
+              <a:rPr lang="en-US" dirty="0"/>
+              <a:t>Enable or disable calculation of substrate gradients</a:t>
+            </a:r>
+          </a:p>
+          <a:p>
+            <a:pPr lvl="2"/>
+            <a:r>
+              <a:rPr lang="en-US" dirty="0"/>
+              <a:t>needed for cell chemotaxis</a:t>
+            </a:r>
+          </a:p>
+          <a:p>
+            <a:pPr lvl="1">
+              <a:spcBef>
+                <a:spcPts val="600"/>
+              </a:spcBef>
+            </a:pPr>
+            <a:r>
+              <a:rPr lang="en-US" dirty="0"/>
+              <a:t>Enable or disable full tracking of internalized substrates in each cell</a:t>
+            </a:r>
+          </a:p>
+          <a:p>
+            <a:pPr lvl="2"/>
+            <a:r>
+              <a:rPr lang="en-US" dirty="0"/>
+              <a:t>needed for some models </a:t>
+            </a:r>
+          </a:p>
+        </p:txBody>
+      </p:sp>
+      <p:pic>
+        <p:nvPicPr>
+          <p:cNvPr id="5" name="Picture 4">
+            <a:extLst>
+              <a:ext uri="{FF2B5EF4-FFF2-40B4-BE49-F238E27FC236}">
+                <a16:creationId xmlns:a16="http://schemas.microsoft.com/office/drawing/2014/main" id="{68B13A47-95DC-4B15-A1B5-E11C8EB1F3B1}"/>
+              </a:ext>
+            </a:extLst>
+          </p:cNvPr>
+          <p:cNvPicPr>
+            <a:picLocks noChangeAspect="1"/>
+          </p:cNvPicPr>
+          <p:nvPr/>
+        </p:nvPicPr>
+        <p:blipFill>
+          <a:blip r:embed="rId2"/>
+          <a:stretch>
+            <a:fillRect/>
+          </a:stretch>
+        </p:blipFill>
+        <p:spPr>
+          <a:xfrm>
+            <a:off x="3657600" y="1114425"/>
+            <a:ext cx="5486400" cy="2914650"/>
+          </a:xfrm>
+          <a:prstGeom prst="rect">
+            <a:avLst/>
+          </a:prstGeom>
+        </p:spPr>
+      </p:pic>
     </p:spTree>
     <p:extLst>
       <p:ext uri="{BB962C8B-B14F-4D97-AF65-F5344CB8AC3E}">
-        <p14:creationId xmlns:p14="http://schemas.microsoft.com/office/powerpoint/2010/main" val="2283372053"/>
+        <p14:creationId xmlns:p14="http://schemas.microsoft.com/office/powerpoint/2010/main" val="2157483293"/>
       </p:ext>
     </p:extLst>
   </p:cSld>

--- a/pptx_source/02-How-to-nanoHUB.pptx
+++ b/pptx_source/02-How-to-nanoHUB.pptx
@@ -4910,31 +4910,198 @@
         <p:spPr/>
         <p:txBody>
           <a:bodyPr>
-            <a:normAutofit fontScale="92500" lnSpcReduction="10000"/>
+            <a:normAutofit fontScale="70000" lnSpcReduction="20000"/>
           </a:bodyPr>
           <a:lstStyle/>
           <a:p>
-            <a:r>
-              <a:rPr lang="en-US" dirty="0"/>
-              <a:t>At the bottom of the output tab, you can click</a:t>
-            </a:r>
-          </a:p>
-          <a:p>
-            <a:endParaRPr lang="en-US" dirty="0"/>
-          </a:p>
-          <a:p>
-            <a:r>
-              <a:rPr lang="en-US" dirty="0"/>
-              <a:t>Note that these buttons only work after a simulation is done. </a:t>
-            </a:r>
-          </a:p>
-          <a:p>
-            <a:endParaRPr lang="en-US" dirty="0"/>
-          </a:p>
-          <a:p>
-            <a:r>
-              <a:rPr lang="en-US" dirty="0"/>
-              <a:t>See the PhysiCell-Tools ecosystem for tips on loading simulation data in </a:t>
+            <a:pPr>
+              <a:lnSpc>
+                <a:spcPct val="110000"/>
+              </a:lnSpc>
+              <a:spcBef>
+                <a:spcPts val="0"/>
+              </a:spcBef>
+              <a:spcAft>
+                <a:spcPts val="800"/>
+              </a:spcAft>
+            </a:pPr>
+            <a:r>
+              <a:rPr lang="en-US" dirty="0"/>
+              <a:t>At the bottom of the output tab, you can find options to download your simulation data. </a:t>
+            </a:r>
+          </a:p>
+          <a:p>
+            <a:pPr>
+              <a:lnSpc>
+                <a:spcPct val="110000"/>
+              </a:lnSpc>
+              <a:spcBef>
+                <a:spcPts val="0"/>
+              </a:spcBef>
+              <a:spcAft>
+                <a:spcPts val="800"/>
+              </a:spcAft>
+            </a:pPr>
+            <a:r>
+              <a:rPr lang="en-US" dirty="0"/>
+              <a:t>Click </a:t>
+            </a:r>
+            <a:r>
+              <a:rPr lang="en-US" b="1" dirty="0">
+                <a:highlight>
+                  <a:srgbClr val="FF9800"/>
+                </a:highlight>
+              </a:rPr>
+              <a:t>  </a:t>
+            </a:r>
+            <a:r>
+              <a:rPr lang="en-US" b="1" dirty="0">
+                <a:solidFill>
+                  <a:schemeClr val="bg1"/>
+                </a:solidFill>
+                <a:highlight>
+                  <a:srgbClr val="FF9800"/>
+                </a:highlight>
+              </a:rPr>
+              <a:t>svg.zip</a:t>
+            </a:r>
+            <a:r>
+              <a:rPr lang="en-US" b="1" dirty="0">
+                <a:highlight>
+                  <a:srgbClr val="FF9800"/>
+                </a:highlight>
+              </a:rPr>
+              <a:t> </a:t>
+            </a:r>
+            <a:r>
+              <a:rPr lang="en-US" b="1" dirty="0">
+                <a:solidFill>
+                  <a:srgbClr val="FF9800"/>
+                </a:solidFill>
+                <a:highlight>
+                  <a:srgbClr val="FF9800"/>
+                </a:highlight>
+              </a:rPr>
+              <a:t>.</a:t>
+            </a:r>
+            <a:r>
+              <a:rPr lang="en-US" dirty="0"/>
+              <a:t> to download all the SVG cell plots as a single ZIP file.</a:t>
+            </a:r>
+          </a:p>
+          <a:p>
+            <a:pPr>
+              <a:lnSpc>
+                <a:spcPct val="110000"/>
+              </a:lnSpc>
+              <a:spcBef>
+                <a:spcPts val="0"/>
+              </a:spcBef>
+              <a:spcAft>
+                <a:spcPts val="800"/>
+              </a:spcAft>
+            </a:pPr>
+            <a:r>
+              <a:rPr lang="en-US" dirty="0"/>
+              <a:t>Click </a:t>
+            </a:r>
+            <a:r>
+              <a:rPr lang="en-US" b="1" dirty="0">
+                <a:highlight>
+                  <a:srgbClr val="FF9800"/>
+                </a:highlight>
+              </a:rPr>
+              <a:t>  </a:t>
+            </a:r>
+            <a:r>
+              <a:rPr lang="en-US" b="1" dirty="0">
+                <a:solidFill>
+                  <a:schemeClr val="bg1"/>
+                </a:solidFill>
+                <a:highlight>
+                  <a:srgbClr val="FF9800"/>
+                </a:highlight>
+              </a:rPr>
+              <a:t>mcds.zip</a:t>
+            </a:r>
+            <a:r>
+              <a:rPr lang="en-US" b="1" dirty="0">
+                <a:highlight>
+                  <a:srgbClr val="FF9800"/>
+                </a:highlight>
+              </a:rPr>
+              <a:t> </a:t>
+            </a:r>
+            <a:r>
+              <a:rPr lang="en-US" b="1" dirty="0">
+                <a:solidFill>
+                  <a:srgbClr val="FF9800"/>
+                </a:solidFill>
+                <a:highlight>
+                  <a:srgbClr val="FF9800"/>
+                </a:highlight>
+              </a:rPr>
+              <a:t>.</a:t>
+            </a:r>
+            <a:r>
+              <a:rPr lang="en-US" dirty="0"/>
+              <a:t> to download all the simulation data (in </a:t>
+            </a:r>
+            <a:r>
+              <a:rPr lang="en-US" dirty="0" err="1"/>
+              <a:t>MultiCellDS</a:t>
+            </a:r>
+            <a:r>
+              <a:rPr lang="en-US" dirty="0"/>
+              <a:t> format) as a single ZIP file. </a:t>
+            </a:r>
+          </a:p>
+          <a:p>
+            <a:pPr>
+              <a:lnSpc>
+                <a:spcPct val="110000"/>
+              </a:lnSpc>
+              <a:spcBef>
+                <a:spcPts val="0"/>
+              </a:spcBef>
+              <a:spcAft>
+                <a:spcPts val="800"/>
+              </a:spcAft>
+            </a:pPr>
+            <a:r>
+              <a:rPr lang="en-US" b="1" dirty="0"/>
+              <a:t>Note:</a:t>
+            </a:r>
+            <a:r>
+              <a:rPr lang="en-US" dirty="0"/>
+              <a:t> These download buttons only work after a simulation has finished running. </a:t>
+            </a:r>
+          </a:p>
+          <a:p>
+            <a:pPr>
+              <a:lnSpc>
+                <a:spcPct val="110000"/>
+              </a:lnSpc>
+              <a:spcBef>
+                <a:spcPts val="0"/>
+              </a:spcBef>
+              <a:spcAft>
+                <a:spcPts val="800"/>
+              </a:spcAft>
+            </a:pPr>
+            <a:r>
+              <a:rPr lang="en-US" dirty="0"/>
+              <a:t>See the </a:t>
+            </a:r>
+            <a:r>
+              <a:rPr lang="en-US" dirty="0">
+                <a:hlinkClick r:id="rId2"/>
+              </a:rPr>
+              <a:t>PhysiCell-Tools</a:t>
+            </a:r>
+            <a:r>
+              <a:rPr lang="en-US" dirty="0"/>
+              <a:t> ecosystem for tips on loading simulation data in </a:t>
             </a:r>
             <a:r>
               <a:rPr lang="en-US" dirty="0" err="1"/>
@@ -4962,7 +5129,7 @@
           <p:nvPr/>
         </p:nvPicPr>
         <p:blipFill>
-          <a:blip r:embed="rId2"/>
+          <a:blip r:embed="rId3"/>
           <a:stretch>
             <a:fillRect/>
           </a:stretch>

--- a/pptx_source/02-How-to-nanoHUB.pptx
+++ b/pptx_source/02-How-to-nanoHUB.pptx
@@ -5547,8 +5547,12 @@
               </a:tabLst>
             </a:pPr>
             <a:r>
+              <a:rPr lang="en-US" b="1"/>
+              <a:t>Lesson </a:t>
+            </a:r>
+            <a:r>
               <a:rPr lang="en-US" b="1" dirty="0"/>
-              <a:t>Module Planning:</a:t>
+              <a:t>Planning:</a:t>
             </a:r>
             <a:r>
               <a:rPr lang="en-US" dirty="0"/>

--- a/pptx_source/02-How-to-nanoHUB.pptx
+++ b/pptx_source/02-How-to-nanoHUB.pptx
@@ -4337,12 +4337,70 @@
         </p:nvSpPr>
         <p:spPr/>
         <p:txBody>
-          <a:bodyPr/>
+          <a:bodyPr>
+            <a:normAutofit fontScale="92500" lnSpcReduction="10000"/>
+          </a:bodyPr>
           <a:lstStyle/>
           <a:p>
             <a:r>
               <a:rPr lang="en-US" dirty="0"/>
-              <a:t>is ta</a:t>
+              <a:t>The </a:t>
+            </a:r>
+            <a:r>
+              <a:rPr lang="en-US" b="1" dirty="0"/>
+              <a:t>user parameters </a:t>
+            </a:r>
+            <a:r>
+              <a:rPr lang="en-US" dirty="0"/>
+              <a:t>tab is where you set parameters that are specific to the app. </a:t>
+            </a:r>
+          </a:p>
+          <a:p>
+            <a:r>
+              <a:rPr lang="en-US" dirty="0"/>
+              <a:t>Each row is a parameter:</a:t>
+            </a:r>
+          </a:p>
+          <a:p>
+            <a:pPr lvl="1"/>
+            <a:r>
+              <a:rPr lang="en-US" dirty="0"/>
+              <a:t>parameter name</a:t>
+            </a:r>
+          </a:p>
+          <a:p>
+            <a:pPr lvl="1"/>
+            <a:r>
+              <a:rPr lang="en-US" dirty="0"/>
+              <a:t>parameter value</a:t>
+            </a:r>
+          </a:p>
+          <a:p>
+            <a:pPr lvl="1"/>
+            <a:r>
+              <a:rPr lang="en-US" dirty="0"/>
+              <a:t>units </a:t>
+            </a:r>
+          </a:p>
+          <a:p>
+            <a:pPr lvl="1"/>
+            <a:r>
+              <a:rPr lang="en-US" dirty="0"/>
+              <a:t>short parameter description</a:t>
+            </a:r>
+          </a:p>
+          <a:p>
+            <a:r>
+              <a:rPr lang="en-US" dirty="0"/>
+              <a:t>Consult the </a:t>
+            </a:r>
+            <a:r>
+              <a:rPr lang="en-US" b="1" dirty="0"/>
+              <a:t>about </a:t>
+            </a:r>
+            <a:r>
+              <a:rPr lang="en-US" dirty="0"/>
+              <a:t>tab for more mathematical information on the parameters</a:t>
             </a:r>
           </a:p>
         </p:txBody>
@@ -4451,14 +4509,21 @@
             <p:ph sz="half" idx="1"/>
           </p:nvPr>
         </p:nvSpPr>
-        <p:spPr/>
+        <p:spPr>
+          <a:xfrm>
+            <a:off x="0" y="731522"/>
+            <a:ext cx="3657600" cy="1804838"/>
+          </a:xfrm>
+        </p:spPr>
         <p:txBody>
-          <a:bodyPr/>
+          <a:bodyPr>
+            <a:normAutofit fontScale="92500"/>
+          </a:bodyPr>
           <a:lstStyle/>
           <a:p>
             <a:r>
               <a:rPr lang="en-US" dirty="0"/>
-              <a:t>One ready, click </a:t>
+              <a:t>Once ready, click </a:t>
             </a:r>
             <a:r>
               <a:rPr lang="en-US" b="1" dirty="0">
@@ -4488,14 +4553,57 @@
               <a:rPr lang="en-US" dirty="0"/>
               <a:t>The standard model outputs will start appearing below </a:t>
             </a:r>
-            <a:endParaRPr lang="en-US" b="1" dirty="0">
-              <a:solidFill>
-                <a:srgbClr val="4CAF50"/>
-              </a:solidFill>
-              <a:highlight>
-                <a:srgbClr val="4CAF50"/>
-              </a:highlight>
-            </a:endParaRPr>
+          </a:p>
+          <a:p>
+            <a:r>
+              <a:rPr lang="en-US" dirty="0"/>
+              <a:t>Click </a:t>
+            </a:r>
+            <a:r>
+              <a:rPr lang="en-US" dirty="0">
+                <a:highlight>
+                  <a:srgbClr val="F44336"/>
+                </a:highlight>
+              </a:rPr>
+              <a:t> </a:t>
+            </a:r>
+            <a:r>
+              <a:rPr lang="en-US" b="1" dirty="0">
+                <a:solidFill>
+                  <a:srgbClr val="F44336"/>
+                </a:solidFill>
+                <a:highlight>
+                  <a:srgbClr val="F44336"/>
+                </a:highlight>
+              </a:rPr>
+              <a:t> </a:t>
+            </a:r>
+            <a:r>
+              <a:rPr lang="en-US" b="1" dirty="0">
+                <a:solidFill>
+                  <a:schemeClr val="bg1"/>
+                </a:solidFill>
+                <a:highlight>
+                  <a:srgbClr val="F44336"/>
+                </a:highlight>
+              </a:rPr>
+              <a:t>Cancel</a:t>
+            </a:r>
+            <a:r>
+              <a:rPr lang="en-US" b="1" dirty="0">
+                <a:solidFill>
+                  <a:srgbClr val="F44336"/>
+                </a:solidFill>
+                <a:highlight>
+                  <a:srgbClr val="F44336"/>
+                </a:highlight>
+              </a:rPr>
+              <a:t> .</a:t>
+            </a:r>
+            <a:r>
+              <a:rPr lang="en-US" dirty="0"/>
+              <a:t> to end early and choose new parameters</a:t>
+            </a:r>
           </a:p>
         </p:txBody>
       </p:sp>
@@ -4551,7 +4659,7 @@
         </p:blipFill>
         <p:spPr>
           <a:xfrm>
-            <a:off x="91440" y="2409191"/>
+            <a:off x="91440" y="2536360"/>
             <a:ext cx="3474720" cy="1845945"/>
           </a:xfrm>
           <a:prstGeom prst="rect">
@@ -4699,7 +4807,15 @@
             </a:pPr>
             <a:r>
               <a:rPr lang="en-US" dirty="0"/>
-              <a:t>Slide the "frame" bar to advance time in the simulation.</a:t>
+              <a:t>The </a:t>
+            </a:r>
+            <a:r>
+              <a:rPr lang="en-US" b="1" dirty="0"/>
+              <a:t>Out: Plots </a:t>
+            </a:r>
+            <a:r>
+              <a:rPr lang="en-US" dirty="0"/>
+              <a:t>tab shows the simulation outputs as it runs. </a:t>
             </a:r>
           </a:p>
           <a:p>
@@ -4716,6 +4832,23 @@
             </a:pPr>
             <a:r>
               <a:rPr lang="en-US" dirty="0"/>
+              <a:t>Slide the "frame" bar to advance time in the simulation.</a:t>
+            </a:r>
+          </a:p>
+          <a:p>
+            <a:pPr>
+              <a:lnSpc>
+                <a:spcPct val="110000"/>
+              </a:lnSpc>
+              <a:spcBef>
+                <a:spcPts val="0"/>
+              </a:spcBef>
+              <a:spcAft>
+                <a:spcPts val="800"/>
+              </a:spcAft>
+            </a:pPr>
+            <a:r>
+              <a:rPr lang="en-US" dirty="0"/>
               <a:t>Use the dropdown box to choose a different substrate for visualization.</a:t>
             </a:r>
           </a:p>
@@ -4733,7 +4866,7 @@
             </a:pPr>
             <a:r>
               <a:rPr lang="en-US" dirty="0"/>
-              <a:t>Use the "fix" to manually set the plot range</a:t>
+              <a:t>Use "fix" to manually set the plot range</a:t>
             </a:r>
           </a:p>
           <a:p>
@@ -4839,6 +4972,63 @@
           </a:prstGeom>
         </p:spPr>
       </p:pic>
+      <p:sp>
+        <p:nvSpPr>
+          <p:cNvPr id="7" name="Arrow: Down 6">
+            <a:extLst>
+              <a:ext uri="{FF2B5EF4-FFF2-40B4-BE49-F238E27FC236}">
+                <a16:creationId xmlns:a16="http://schemas.microsoft.com/office/drawing/2014/main" id="{36F99C75-0558-4449-808D-948E8D52D172}"/>
+              </a:ext>
+            </a:extLst>
+          </p:cNvPr>
+          <p:cNvSpPr/>
+          <p:nvPr/>
+        </p:nvSpPr>
+        <p:spPr>
+          <a:xfrm>
+            <a:off x="4427220" y="2289334"/>
+            <a:ext cx="137160" cy="228600"/>
+          </a:xfrm>
+          <a:prstGeom prst="downArrow">
+            <a:avLst>
+              <a:gd name="adj1" fmla="val 40080"/>
+              <a:gd name="adj2" fmla="val 50000"/>
+            </a:avLst>
+          </a:prstGeom>
+          <a:solidFill>
+            <a:srgbClr val="FF0000"/>
+          </a:solidFill>
+          <a:ln>
+            <a:solidFill>
+              <a:srgbClr val="FF0000"/>
+            </a:solidFill>
+          </a:ln>
+        </p:spPr>
+        <p:style>
+          <a:lnRef idx="2">
+            <a:schemeClr val="accent1">
+              <a:shade val="50000"/>
+            </a:schemeClr>
+          </a:lnRef>
+          <a:fillRef idx="1">
+            <a:schemeClr val="accent1"/>
+          </a:fillRef>
+          <a:effectRef idx="0">
+            <a:schemeClr val="accent1"/>
+          </a:effectRef>
+          <a:fontRef idx="minor">
+            <a:schemeClr val="lt1"/>
+          </a:fontRef>
+        </p:style>
+        <p:txBody>
+          <a:bodyPr rtlCol="0" anchor="ctr"/>
+          <a:lstStyle/>
+          <a:p>
+            <a:pPr algn="ctr"/>
+            <a:endParaRPr lang="en-US"/>
+          </a:p>
+        </p:txBody>
+      </p:sp>
     </p:spTree>
     <p:extLst>
       <p:ext uri="{BB962C8B-B14F-4D97-AF65-F5344CB8AC3E}">
@@ -5547,12 +5737,8 @@
               </a:tabLst>
             </a:pPr>
             <a:r>
-              <a:rPr lang="en-US" b="1"/>
-              <a:t>Lesson </a:t>
-            </a:r>
-            <a:r>
               <a:rPr lang="en-US" b="1" dirty="0"/>
-              <a:t>Planning:</a:t>
+              <a:t>Lesson Planning:</a:t>
             </a:r>
             <a:r>
               <a:rPr lang="en-US" dirty="0"/>
@@ -5564,13 +5750,8 @@
             </a:r>
             <a:r>
               <a:rPr lang="en-US" dirty="0"/>
-              <a:t>, Randy </a:t>
-            </a:r>
-            <a:r>
-              <a:rPr lang="en-US" dirty="0" err="1"/>
-              <a:t>Heiland</a:t>
-            </a:r>
-            <a:endParaRPr lang="en-US" dirty="0"/>
+              <a:t>, Randy Heiland</a:t>
+            </a:r>
           </a:p>
           <a:p>
             <a:pPr marL="0" indent="0">
@@ -7134,7 +7315,15 @@
             </a:r>
             <a:r>
               <a:rPr lang="en-US" dirty="0"/>
-              <a:t> cells:	Release a chemoattractant to guide delivery of cargo</a:t>
+              <a:t> </a:t>
+            </a:r>
+            <a:r>
+              <a:rPr lang="en-US" b="1" dirty="0"/>
+              <a:t>cells:</a:t>
+            </a:r>
+            <a:r>
+              <a:rPr lang="en-US" dirty="0"/>
+              <a:t>	Release a chemoattractant to guide delivery of cargo</a:t>
             </a:r>
           </a:p>
           <a:p>
@@ -7148,11 +7337,11 @@
             </a:r>
             <a:r>
               <a:rPr lang="en-US" b="1" dirty="0"/>
-              <a:t> </a:t>
-            </a:r>
-            <a:r>
-              <a:rPr lang="en-US" dirty="0"/>
-              <a:t>cells:	Release a chemoattractant to guide worker cells until 			they are attached. </a:t>
+              <a:t> cells:</a:t>
+            </a:r>
+            <a:r>
+              <a:rPr lang="en-US" dirty="0"/>
+              <a:t>	Release a chemoattractant to guide worker cells until 			they are attached. </a:t>
             </a:r>
             <a:endParaRPr lang="en-US" b="1" dirty="0"/>
           </a:p>
@@ -7167,11 +7356,11 @@
             </a:r>
             <a:r>
               <a:rPr lang="en-US" b="1" dirty="0"/>
-              <a:t> </a:t>
-            </a:r>
-            <a:r>
-              <a:rPr lang="en-US" dirty="0"/>
-              <a:t>cells: 	When unattached to cargo, use chemotaxis to seek</a:t>
+              <a:t> cells:</a:t>
+            </a:r>
+            <a:r>
+              <a:rPr lang="en-US" dirty="0"/>
+              <a:t> 	When unattached to cargo, use chemotaxis to seek</a:t>
             </a:r>
             <a:br>
               <a:rPr lang="en-US" dirty="0"/>
@@ -7475,7 +7664,7 @@
           <a:p>
             <a:r>
               <a:rPr lang="en-US" dirty="0"/>
-              <a:t>About tab</a:t>
+              <a:t>About</a:t>
             </a:r>
           </a:p>
         </p:txBody>
@@ -7632,12 +7821,8 @@
           <a:lstStyle/>
           <a:p>
             <a:r>
-              <a:rPr lang="en-US" dirty="0" err="1"/>
-              <a:t>Config</a:t>
-            </a:r>
-            <a:r>
-              <a:rPr lang="en-US" dirty="0"/>
-              <a:t> basics</a:t>
+              <a:rPr lang="en-US" dirty="0"/>
+              <a:t>Configuration basics</a:t>
             </a:r>
           </a:p>
         </p:txBody>
@@ -7907,7 +8092,7 @@
           <a:p>
             <a:pPr lvl="1">
               <a:spcBef>
-                <a:spcPts val="600"/>
+                <a:spcPts val="900"/>
               </a:spcBef>
             </a:pPr>
             <a:r>
@@ -7925,7 +8110,7 @@
           <a:p>
             <a:pPr lvl="1">
               <a:spcBef>
-                <a:spcPts val="600"/>
+                <a:spcPts val="900"/>
               </a:spcBef>
             </a:pPr>
             <a:r>
